--- a/slides/2016180042_진윤성_2DGP_2차발표.pptx
+++ b/slides/2016180042_진윤성_2DGP_2차발표.pptx
@@ -22,36 +22,36 @@
   <p:notesSz cx="6858000" cy="9144000"/>
   <p:embeddedFontLst>
     <p:embeddedFont>
-      <p:font typeface="맑은 고딕" panose="020B0503020000020004" pitchFamily="50" charset="-127"/>
+      <p:font typeface="Wingdings 2" panose="05020102010507070707" pitchFamily="18" charset="2"/>
       <p:regular r:id="rId10"/>
-      <p:bold r:id="rId11"/>
     </p:embeddedFont>
     <p:embeddedFont>
       <p:font typeface="-윤고딕320" panose="02030504000101010101" pitchFamily="18" charset="-127"/>
+      <p:regular r:id="rId11"/>
+    </p:embeddedFont>
+    <p:embeddedFont>
+      <p:font typeface="맑은 고딕" panose="020B0503020000020004" pitchFamily="50" charset="-127"/>
       <p:regular r:id="rId12"/>
+      <p:bold r:id="rId13"/>
+    </p:embeddedFont>
+    <p:embeddedFont>
+      <p:font typeface="-윤고딕310" panose="02030504000101010101" pitchFamily="18" charset="-127"/>
+      <p:regular r:id="rId14"/>
+    </p:embeddedFont>
+    <p:embeddedFont>
+      <p:font typeface="나눔고딕 ExtraBold" panose="020B0600000101010101" charset="-127"/>
+      <p:bold r:id="rId15"/>
+    </p:embeddedFont>
+    <p:embeddedFont>
+      <p:font typeface="Jacinto Sans" panose="00000400000000000000" pitchFamily="2" charset="0"/>
+      <p:regular r:id="rId16"/>
     </p:embeddedFont>
     <p:embeddedFont>
       <p:font typeface="Corbel" panose="020B0503020204020204" pitchFamily="34" charset="0"/>
-      <p:regular r:id="rId13"/>
-      <p:bold r:id="rId14"/>
-      <p:italic r:id="rId15"/>
-      <p:boldItalic r:id="rId16"/>
-    </p:embeddedFont>
-    <p:embeddedFont>
-      <p:font typeface="Jacinto Sans" panose="00000400000000000000" pitchFamily="2" charset="0"/>
       <p:regular r:id="rId17"/>
-    </p:embeddedFont>
-    <p:embeddedFont>
-      <p:font typeface="Wingdings 2" panose="05020102010507070707" pitchFamily="18" charset="2"/>
-      <p:regular r:id="rId18"/>
-    </p:embeddedFont>
-    <p:embeddedFont>
-      <p:font typeface="나눔고딕 ExtraBold" panose="020D0904000000000000" pitchFamily="50" charset="-127"/>
-      <p:bold r:id="rId19"/>
-    </p:embeddedFont>
-    <p:embeddedFont>
-      <p:font typeface="-윤고딕310" panose="02030504000101010101" pitchFamily="18" charset="-127"/>
-      <p:regular r:id="rId20"/>
+      <p:bold r:id="rId18"/>
+      <p:italic r:id="rId19"/>
+      <p:boldItalic r:id="rId20"/>
     </p:embeddedFont>
   </p:embeddedFontLst>
   <p:defaultTextStyle>
@@ -151,7 +151,7 @@
   </p:defaultTextStyle>
   <p:extLst>
     <p:ext uri="{EFAFB233-063F-42B5-8137-9DF3F51BA10A}">
-      <p15:sldGuideLst xmlns:p15="http://schemas.microsoft.com/office/powerpoint/2012/main">
+      <p15:sldGuideLst xmlns:p15="http://schemas.microsoft.com/office/powerpoint/2012/main" xmlns="">
         <p15:guide id="1" orient="horz" pos="2160">
           <p15:clr>
             <a:srgbClr val="A4A3A4"/>
@@ -9354,7 +9354,7 @@
           <p:cNvPr id="4" name="슬라이드 번호 개체 틀 3">
             <a:extLst>
               <a:ext uri="{FF2B5EF4-FFF2-40B4-BE49-F238E27FC236}">
-                <a16:creationId xmlns:a16="http://schemas.microsoft.com/office/drawing/2014/main" id="{4A198925-6EC7-4EA1-BB13-6FC1C5EFF56A}"/>
+                <a16:creationId xmlns:a16="http://schemas.microsoft.com/office/drawing/2014/main" xmlns="" id="{4A198925-6EC7-4EA1-BB13-6FC1C5EFF56A}"/>
               </a:ext>
             </a:extLst>
           </p:cNvPr>
@@ -9383,7 +9383,7 @@
           <p:cNvPr id="3" name="내용 개체 틀 2">
             <a:extLst>
               <a:ext uri="{FF2B5EF4-FFF2-40B4-BE49-F238E27FC236}">
-                <a16:creationId xmlns:a16="http://schemas.microsoft.com/office/drawing/2014/main" id="{A4A5D45E-F8A9-405B-A3E1-F34447453D85}"/>
+                <a16:creationId xmlns:a16="http://schemas.microsoft.com/office/drawing/2014/main" xmlns="" id="{A4A5D45E-F8A9-405B-A3E1-F34447453D85}"/>
               </a:ext>
             </a:extLst>
           </p:cNvPr>
@@ -9552,7 +9552,7 @@
           <p:cNvPr id="2" name="제목 1">
             <a:extLst>
               <a:ext uri="{FF2B5EF4-FFF2-40B4-BE49-F238E27FC236}">
-                <a16:creationId xmlns:a16="http://schemas.microsoft.com/office/drawing/2014/main" id="{0AB349F5-054F-47F7-BC73-1F8767008238}"/>
+                <a16:creationId xmlns:a16="http://schemas.microsoft.com/office/drawing/2014/main" xmlns="" id="{0AB349F5-054F-47F7-BC73-1F8767008238}"/>
               </a:ext>
             </a:extLst>
           </p:cNvPr>
@@ -9632,7 +9632,7 @@
           <p:cNvPr id="4" name="슬라이드 번호 개체 틀 3">
             <a:extLst>
               <a:ext uri="{FF2B5EF4-FFF2-40B4-BE49-F238E27FC236}">
-                <a16:creationId xmlns:a16="http://schemas.microsoft.com/office/drawing/2014/main" id="{4A198925-6EC7-4EA1-BB13-6FC1C5EFF56A}"/>
+                <a16:creationId xmlns:a16="http://schemas.microsoft.com/office/drawing/2014/main" xmlns="" id="{4A198925-6EC7-4EA1-BB13-6FC1C5EFF56A}"/>
               </a:ext>
             </a:extLst>
           </p:cNvPr>
@@ -9661,7 +9661,7 @@
           <p:cNvPr id="3" name="내용 개체 틀 2">
             <a:extLst>
               <a:ext uri="{FF2B5EF4-FFF2-40B4-BE49-F238E27FC236}">
-                <a16:creationId xmlns:a16="http://schemas.microsoft.com/office/drawing/2014/main" id="{A4A5D45E-F8A9-405B-A3E1-F34447453D85}"/>
+                <a16:creationId xmlns:a16="http://schemas.microsoft.com/office/drawing/2014/main" xmlns="" id="{A4A5D45E-F8A9-405B-A3E1-F34447453D85}"/>
               </a:ext>
             </a:extLst>
           </p:cNvPr>
@@ -9700,7 +9700,7 @@
           <p:cNvPr id="2" name="제목 1">
             <a:extLst>
               <a:ext uri="{FF2B5EF4-FFF2-40B4-BE49-F238E27FC236}">
-                <a16:creationId xmlns:a16="http://schemas.microsoft.com/office/drawing/2014/main" id="{0AB349F5-054F-47F7-BC73-1F8767008238}"/>
+                <a16:creationId xmlns:a16="http://schemas.microsoft.com/office/drawing/2014/main" xmlns="" id="{0AB349F5-054F-47F7-BC73-1F8767008238}"/>
               </a:ext>
             </a:extLst>
           </p:cNvPr>
@@ -9750,7 +9750,7 @@
           <p:cNvPr id="5" name="내용 개체 틀 5">
             <a:extLst>
               <a:ext uri="{FF2B5EF4-FFF2-40B4-BE49-F238E27FC236}">
-                <a16:creationId xmlns:a16="http://schemas.microsoft.com/office/drawing/2014/main" id="{ABCCB288-92AD-40D9-96F3-7AF9F1F1FB1A}"/>
+                <a16:creationId xmlns:a16="http://schemas.microsoft.com/office/drawing/2014/main" xmlns="" id="{ABCCB288-92AD-40D9-96F3-7AF9F1F1FB1A}"/>
               </a:ext>
             </a:extLst>
           </p:cNvPr>
@@ -9760,7 +9760,7 @@
           <p:nvPr>
             <p:extLst>
               <p:ext uri="{D42A27DB-BD31-4B8C-83A1-F6EECF244321}">
-                <p14:modId xmlns:p14="http://schemas.microsoft.com/office/powerpoint/2010/main" val="1840049272"/>
+                <p14:modId xmlns:p14="http://schemas.microsoft.com/office/powerpoint/2010/main" val="2107630043"/>
               </p:ext>
             </p:extLst>
           </p:nvPr>
@@ -9779,14 +9779,14 @@
                 <a:gridCol w="946448">
                   <a:extLst>
                     <a:ext uri="{9D8B030D-6E8A-4147-A177-3AD203B41FA5}">
-                      <a16:colId xmlns:a16="http://schemas.microsoft.com/office/drawing/2014/main" val="3026215981"/>
+                      <a16:colId xmlns:a16="http://schemas.microsoft.com/office/drawing/2014/main" xmlns="" val="3026215981"/>
                     </a:ext>
                   </a:extLst>
                 </a:gridCol>
                 <a:gridCol w="7203904">
                   <a:extLst>
                     <a:ext uri="{9D8B030D-6E8A-4147-A177-3AD203B41FA5}">
-                      <a16:colId xmlns:a16="http://schemas.microsoft.com/office/drawing/2014/main" val="3107912970"/>
+                      <a16:colId xmlns:a16="http://schemas.microsoft.com/office/drawing/2014/main" xmlns="" val="3107912970"/>
                     </a:ext>
                   </a:extLst>
                 </a:gridCol>
@@ -9828,7 +9828,7 @@
                 </a:tc>
                 <a:extLst>
                   <a:ext uri="{0D108BD9-81ED-4DB2-BD59-A6C34878D82A}">
-                    <a16:rowId xmlns:a16="http://schemas.microsoft.com/office/drawing/2014/main" val="2777749688"/>
+                    <a16:rowId xmlns:a16="http://schemas.microsoft.com/office/drawing/2014/main" xmlns="" val="2777749688"/>
                   </a:ext>
                 </a:extLst>
               </a:tr>
@@ -9887,7 +9887,7 @@
                 </a:tc>
                 <a:extLst>
                   <a:ext uri="{0D108BD9-81ED-4DB2-BD59-A6C34878D82A}">
-                    <a16:rowId xmlns:a16="http://schemas.microsoft.com/office/drawing/2014/main" val="2854291080"/>
+                    <a16:rowId xmlns:a16="http://schemas.microsoft.com/office/drawing/2014/main" xmlns="" val="2854291080"/>
                   </a:ext>
                 </a:extLst>
               </a:tr>
@@ -9984,7 +9984,7 @@
                 </a:tc>
                 <a:extLst>
                   <a:ext uri="{0D108BD9-81ED-4DB2-BD59-A6C34878D82A}">
-                    <a16:rowId xmlns:a16="http://schemas.microsoft.com/office/drawing/2014/main" val="1194299463"/>
+                    <a16:rowId xmlns:a16="http://schemas.microsoft.com/office/drawing/2014/main" xmlns="" val="1194299463"/>
                   </a:ext>
                 </a:extLst>
               </a:tr>
@@ -10070,7 +10070,7 @@
                 </a:tc>
                 <a:extLst>
                   <a:ext uri="{0D108BD9-81ED-4DB2-BD59-A6C34878D82A}">
-                    <a16:rowId xmlns:a16="http://schemas.microsoft.com/office/drawing/2014/main" val="2345408676"/>
+                    <a16:rowId xmlns:a16="http://schemas.microsoft.com/office/drawing/2014/main" xmlns="" val="2345408676"/>
                   </a:ext>
                 </a:extLst>
               </a:tr>
@@ -10152,7 +10152,14 @@
                           <a:latin typeface="-윤고딕310" panose="02030504000101010101" pitchFamily="18" charset="-127"/>
                           <a:ea typeface="-윤고딕310" panose="02030504000101010101" pitchFamily="18" charset="-127"/>
                         </a:rPr>
-                        <a:t> 마을</a:t>
+                        <a:t> </a:t>
+                      </a:r>
+                      <a:r>
+                        <a:rPr lang="ko-KR" altLang="en-US" sz="1400" dirty="0" smtClean="0">
+                          <a:latin typeface="-윤고딕310" panose="02030504000101010101" pitchFamily="18" charset="-127"/>
+                          <a:ea typeface="-윤고딕310" panose="02030504000101010101" pitchFamily="18" charset="-127"/>
+                        </a:rPr>
+                        <a:t>테마에는 마을</a:t>
                       </a:r>
                       <a:r>
                         <a:rPr lang="en-US" altLang="ko-KR" sz="1400" dirty="0">
@@ -10176,25 +10183,18 @@
                         <a:t>, </a:t>
                       </a:r>
                       <a:r>
+                        <a:rPr lang="ko-KR" altLang="en-US" sz="1400" dirty="0" smtClean="0">
+                          <a:latin typeface="-윤고딕310" panose="02030504000101010101" pitchFamily="18" charset="-127"/>
+                          <a:ea typeface="-윤고딕310" panose="02030504000101010101" pitchFamily="18" charset="-127"/>
+                        </a:rPr>
+                        <a:t>도시가 </a:t>
+                      </a:r>
+                      <a:r>
                         <a:rPr lang="ko-KR" altLang="en-US" sz="1400" dirty="0">
                           <a:latin typeface="-윤고딕310" panose="02030504000101010101" pitchFamily="18" charset="-127"/>
                           <a:ea typeface="-윤고딕310" panose="02030504000101010101" pitchFamily="18" charset="-127"/>
                         </a:rPr>
-                        <a:t>도시</a:t>
-                      </a:r>
-                      <a:r>
-                        <a:rPr lang="en-US" altLang="ko-KR" sz="1400" dirty="0">
-                          <a:latin typeface="-윤고딕310" panose="02030504000101010101" pitchFamily="18" charset="-127"/>
-                          <a:ea typeface="-윤고딕310" panose="02030504000101010101" pitchFamily="18" charset="-127"/>
-                        </a:rPr>
-                        <a:t> </a:t>
-                      </a:r>
-                      <a:r>
-                        <a:rPr lang="ko-KR" altLang="en-US" sz="1400" dirty="0">
-                          <a:latin typeface="-윤고딕310" panose="02030504000101010101" pitchFamily="18" charset="-127"/>
-                          <a:ea typeface="-윤고딕310" panose="02030504000101010101" pitchFamily="18" charset="-127"/>
-                        </a:rPr>
-                        <a:t>등이 있다</a:t>
+                        <a:t>있다</a:t>
                       </a:r>
                       <a:r>
                         <a:rPr lang="en-US" altLang="ko-KR" sz="1400" dirty="0">
@@ -10209,7 +10209,7 @@
                 </a:tc>
                 <a:extLst>
                   <a:ext uri="{0D108BD9-81ED-4DB2-BD59-A6C34878D82A}">
-                    <a16:rowId xmlns:a16="http://schemas.microsoft.com/office/drawing/2014/main" val="132467065"/>
+                    <a16:rowId xmlns:a16="http://schemas.microsoft.com/office/drawing/2014/main" xmlns="" val="132467065"/>
                   </a:ext>
                 </a:extLst>
               </a:tr>
@@ -10307,7 +10307,7 @@
                 </a:tc>
                 <a:extLst>
                   <a:ext uri="{0D108BD9-81ED-4DB2-BD59-A6C34878D82A}">
-                    <a16:rowId xmlns:a16="http://schemas.microsoft.com/office/drawing/2014/main" val="2060674530"/>
+                    <a16:rowId xmlns:a16="http://schemas.microsoft.com/office/drawing/2014/main" xmlns="" val="2060674530"/>
                   </a:ext>
                 </a:extLst>
               </a:tr>
@@ -10380,7 +10380,7 @@
                 </a:tc>
                 <a:extLst>
                   <a:ext uri="{0D108BD9-81ED-4DB2-BD59-A6C34878D82A}">
-                    <a16:rowId xmlns:a16="http://schemas.microsoft.com/office/drawing/2014/main" val="1182672815"/>
+                    <a16:rowId xmlns:a16="http://schemas.microsoft.com/office/drawing/2014/main" xmlns="" val="1182672815"/>
                   </a:ext>
                 </a:extLst>
               </a:tr>
@@ -10467,7 +10467,7 @@
                 </a:tc>
                 <a:extLst>
                   <a:ext uri="{0D108BD9-81ED-4DB2-BD59-A6C34878D82A}">
-                    <a16:rowId xmlns:a16="http://schemas.microsoft.com/office/drawing/2014/main" val="1488941561"/>
+                    <a16:rowId xmlns:a16="http://schemas.microsoft.com/office/drawing/2014/main" xmlns="" val="1488941561"/>
                   </a:ext>
                 </a:extLst>
               </a:tr>
@@ -10510,7 +10510,7 @@
           <p:cNvPr id="4" name="슬라이드 번호 개체 틀 3">
             <a:extLst>
               <a:ext uri="{FF2B5EF4-FFF2-40B4-BE49-F238E27FC236}">
-                <a16:creationId xmlns:a16="http://schemas.microsoft.com/office/drawing/2014/main" id="{5AE9AE37-5589-4777-8329-0EA539358E93}"/>
+                <a16:creationId xmlns:a16="http://schemas.microsoft.com/office/drawing/2014/main" xmlns="" id="{5AE9AE37-5589-4777-8329-0EA539358E93}"/>
               </a:ext>
             </a:extLst>
           </p:cNvPr>
@@ -10539,7 +10539,7 @@
           <p:cNvPr id="3" name="내용 개체 틀 2">
             <a:extLst>
               <a:ext uri="{FF2B5EF4-FFF2-40B4-BE49-F238E27FC236}">
-                <a16:creationId xmlns:a16="http://schemas.microsoft.com/office/drawing/2014/main" id="{F8D78605-D1E1-4D25-8459-5938889AC313}"/>
+                <a16:creationId xmlns:a16="http://schemas.microsoft.com/office/drawing/2014/main" xmlns="" id="{F8D78605-D1E1-4D25-8459-5938889AC313}"/>
               </a:ext>
             </a:extLst>
           </p:cNvPr>
@@ -10564,7 +10564,7 @@
           <p:cNvPr id="5" name="내용 개체 틀 5">
             <a:extLst>
               <a:ext uri="{FF2B5EF4-FFF2-40B4-BE49-F238E27FC236}">
-                <a16:creationId xmlns:a16="http://schemas.microsoft.com/office/drawing/2014/main" id="{FB2E4102-1495-44A0-852D-BC87ACBEA27E}"/>
+                <a16:creationId xmlns:a16="http://schemas.microsoft.com/office/drawing/2014/main" xmlns="" id="{FB2E4102-1495-44A0-852D-BC87ACBEA27E}"/>
               </a:ext>
             </a:extLst>
           </p:cNvPr>
@@ -10593,21 +10593,21 @@
                 <a:gridCol w="946448">
                   <a:extLst>
                     <a:ext uri="{9D8B030D-6E8A-4147-A177-3AD203B41FA5}">
-                      <a16:colId xmlns:a16="http://schemas.microsoft.com/office/drawing/2014/main" val="3026215981"/>
+                      <a16:colId xmlns:a16="http://schemas.microsoft.com/office/drawing/2014/main" xmlns="" val="3026215981"/>
                     </a:ext>
                   </a:extLst>
                 </a:gridCol>
                 <a:gridCol w="1152128">
                   <a:extLst>
                     <a:ext uri="{9D8B030D-6E8A-4147-A177-3AD203B41FA5}">
-                      <a16:colId xmlns:a16="http://schemas.microsoft.com/office/drawing/2014/main" val="3107912970"/>
+                      <a16:colId xmlns:a16="http://schemas.microsoft.com/office/drawing/2014/main" xmlns="" val="3107912970"/>
                     </a:ext>
                   </a:extLst>
                 </a:gridCol>
                 <a:gridCol w="6051777">
                   <a:extLst>
                     <a:ext uri="{9D8B030D-6E8A-4147-A177-3AD203B41FA5}">
-                      <a16:colId xmlns:a16="http://schemas.microsoft.com/office/drawing/2014/main" val="1502471586"/>
+                      <a16:colId xmlns:a16="http://schemas.microsoft.com/office/drawing/2014/main" xmlns="" val="1502471586"/>
                     </a:ext>
                   </a:extLst>
                 </a:gridCol>
@@ -10660,7 +10660,7 @@
                 </a:tc>
                 <a:extLst>
                   <a:ext uri="{0D108BD9-81ED-4DB2-BD59-A6C34878D82A}">
-                    <a16:rowId xmlns:a16="http://schemas.microsoft.com/office/drawing/2014/main" val="2777749688"/>
+                    <a16:rowId xmlns:a16="http://schemas.microsoft.com/office/drawing/2014/main" xmlns="" val="2777749688"/>
                   </a:ext>
                 </a:extLst>
               </a:tr>
@@ -10773,7 +10773,7 @@
                 </a:tc>
                 <a:extLst>
                   <a:ext uri="{0D108BD9-81ED-4DB2-BD59-A6C34878D82A}">
-                    <a16:rowId xmlns:a16="http://schemas.microsoft.com/office/drawing/2014/main" val="2854291080"/>
+                    <a16:rowId xmlns:a16="http://schemas.microsoft.com/office/drawing/2014/main" xmlns="" val="2854291080"/>
                   </a:ext>
                 </a:extLst>
               </a:tr>
@@ -10872,7 +10872,7 @@
                 </a:tc>
                 <a:extLst>
                   <a:ext uri="{0D108BD9-81ED-4DB2-BD59-A6C34878D82A}">
-                    <a16:rowId xmlns:a16="http://schemas.microsoft.com/office/drawing/2014/main" val="1194299463"/>
+                    <a16:rowId xmlns:a16="http://schemas.microsoft.com/office/drawing/2014/main" xmlns="" val="1194299463"/>
                   </a:ext>
                 </a:extLst>
               </a:tr>
@@ -10913,6 +10913,13 @@
                           <a:ea typeface="-윤고딕310" panose="02030504000101010101" pitchFamily="18" charset="-127"/>
                         </a:rPr>
                         <a:t>플레이어</a:t>
+                      </a:r>
+                      <a:r>
+                        <a:rPr lang="en-US" altLang="ko-KR" sz="1500" dirty="0">
+                          <a:latin typeface="-윤고딕310" panose="02030504000101010101" pitchFamily="18" charset="-127"/>
+                          <a:ea typeface="-윤고딕310" panose="02030504000101010101" pitchFamily="18" charset="-127"/>
+                        </a:rPr>
+                        <a:t/>
                       </a:r>
                       <a:br>
                         <a:rPr lang="en-US" altLang="ko-KR" sz="1500" dirty="0">
@@ -11002,7 +11009,7 @@
                 </a:tc>
                 <a:extLst>
                   <a:ext uri="{0D108BD9-81ED-4DB2-BD59-A6C34878D82A}">
-                    <a16:rowId xmlns:a16="http://schemas.microsoft.com/office/drawing/2014/main" val="2345408676"/>
+                    <a16:rowId xmlns:a16="http://schemas.microsoft.com/office/drawing/2014/main" xmlns="" val="2345408676"/>
                   </a:ext>
                 </a:extLst>
               </a:tr>
@@ -11176,7 +11183,7 @@
                 </a:tc>
                 <a:extLst>
                   <a:ext uri="{0D108BD9-81ED-4DB2-BD59-A6C34878D82A}">
-                    <a16:rowId xmlns:a16="http://schemas.microsoft.com/office/drawing/2014/main" val="132467065"/>
+                    <a16:rowId xmlns:a16="http://schemas.microsoft.com/office/drawing/2014/main" xmlns="" val="132467065"/>
                   </a:ext>
                 </a:extLst>
               </a:tr>
@@ -11318,7 +11325,7 @@
                 </a:tc>
                 <a:extLst>
                   <a:ext uri="{0D108BD9-81ED-4DB2-BD59-A6C34878D82A}">
-                    <a16:rowId xmlns:a16="http://schemas.microsoft.com/office/drawing/2014/main" val="2060674530"/>
+                    <a16:rowId xmlns:a16="http://schemas.microsoft.com/office/drawing/2014/main" xmlns="" val="2060674530"/>
                   </a:ext>
                 </a:extLst>
               </a:tr>
@@ -11378,7 +11385,7 @@
                 </a:tc>
                 <a:extLst>
                   <a:ext uri="{0D108BD9-81ED-4DB2-BD59-A6C34878D82A}">
-                    <a16:rowId xmlns:a16="http://schemas.microsoft.com/office/drawing/2014/main" val="1182672815"/>
+                    <a16:rowId xmlns:a16="http://schemas.microsoft.com/office/drawing/2014/main" xmlns="" val="1182672815"/>
                   </a:ext>
                 </a:extLst>
               </a:tr>
@@ -11539,7 +11546,7 @@
                 </a:tc>
                 <a:extLst>
                   <a:ext uri="{0D108BD9-81ED-4DB2-BD59-A6C34878D82A}">
-                    <a16:rowId xmlns:a16="http://schemas.microsoft.com/office/drawing/2014/main" val="1488941561"/>
+                    <a16:rowId xmlns:a16="http://schemas.microsoft.com/office/drawing/2014/main" xmlns="" val="1488941561"/>
                   </a:ext>
                 </a:extLst>
               </a:tr>
@@ -11630,7 +11637,7 @@
                 </a:tc>
                 <a:extLst>
                   <a:ext uri="{0D108BD9-81ED-4DB2-BD59-A6C34878D82A}">
-                    <a16:rowId xmlns:a16="http://schemas.microsoft.com/office/drawing/2014/main" val="3711537143"/>
+                    <a16:rowId xmlns:a16="http://schemas.microsoft.com/office/drawing/2014/main" xmlns="" val="3711537143"/>
                   </a:ext>
                 </a:extLst>
               </a:tr>
@@ -11643,7 +11650,7 @@
           <p:cNvPr id="8" name="제목 1">
             <a:extLst>
               <a:ext uri="{FF2B5EF4-FFF2-40B4-BE49-F238E27FC236}">
-                <a16:creationId xmlns:a16="http://schemas.microsoft.com/office/drawing/2014/main" id="{CAF6C5C1-666E-4AB8-8E69-74FCE42E6892}"/>
+                <a16:creationId xmlns:a16="http://schemas.microsoft.com/office/drawing/2014/main" xmlns="" id="{CAF6C5C1-666E-4AB8-8E69-74FCE42E6892}"/>
               </a:ext>
             </a:extLst>
           </p:cNvPr>
@@ -11797,7 +11804,7 @@
           <p:cNvPr id="2" name="슬라이드 번호 개체 틀 1">
             <a:extLst>
               <a:ext uri="{FF2B5EF4-FFF2-40B4-BE49-F238E27FC236}">
-                <a16:creationId xmlns:a16="http://schemas.microsoft.com/office/drawing/2014/main" id="{5EF50D4E-4E52-44C7-B2FA-0B834B9A0E03}"/>
+                <a16:creationId xmlns:a16="http://schemas.microsoft.com/office/drawing/2014/main" xmlns="" id="{5EF50D4E-4E52-44C7-B2FA-0B834B9A0E03}"/>
               </a:ext>
             </a:extLst>
           </p:cNvPr>
@@ -11826,7 +11833,7 @@
           <p:cNvPr id="6" name="내용 개체 틀 5">
             <a:extLst>
               <a:ext uri="{FF2B5EF4-FFF2-40B4-BE49-F238E27FC236}">
-                <a16:creationId xmlns:a16="http://schemas.microsoft.com/office/drawing/2014/main" id="{55BC1DFF-7D36-4BFA-B967-700FAE6CC989}"/>
+                <a16:creationId xmlns:a16="http://schemas.microsoft.com/office/drawing/2014/main" xmlns="" id="{55BC1DFF-7D36-4BFA-B967-700FAE6CC989}"/>
               </a:ext>
             </a:extLst>
           </p:cNvPr>
@@ -11861,7 +11868,7 @@
           <p:cNvPr id="4" name="제목 3">
             <a:extLst>
               <a:ext uri="{FF2B5EF4-FFF2-40B4-BE49-F238E27FC236}">
-                <a16:creationId xmlns:a16="http://schemas.microsoft.com/office/drawing/2014/main" id="{D46230E2-9E02-4C14-8AEA-73D66AFE0FAB}"/>
+                <a16:creationId xmlns:a16="http://schemas.microsoft.com/office/drawing/2014/main" xmlns="" id="{D46230E2-9E02-4C14-8AEA-73D66AFE0FAB}"/>
               </a:ext>
             </a:extLst>
           </p:cNvPr>
@@ -11942,7 +11949,7 @@
           <p:cNvPr id="2" name="슬라이드 번호 개체 틀 1">
             <a:extLst>
               <a:ext uri="{FF2B5EF4-FFF2-40B4-BE49-F238E27FC236}">
-                <a16:creationId xmlns:a16="http://schemas.microsoft.com/office/drawing/2014/main" id="{5EF50D4E-4E52-44C7-B2FA-0B834B9A0E03}"/>
+                <a16:creationId xmlns:a16="http://schemas.microsoft.com/office/drawing/2014/main" xmlns="" id="{5EF50D4E-4E52-44C7-B2FA-0B834B9A0E03}"/>
               </a:ext>
             </a:extLst>
           </p:cNvPr>
@@ -11971,7 +11978,7 @@
           <p:cNvPr id="6" name="내용 개체 틀 5">
             <a:extLst>
               <a:ext uri="{FF2B5EF4-FFF2-40B4-BE49-F238E27FC236}">
-                <a16:creationId xmlns:a16="http://schemas.microsoft.com/office/drawing/2014/main" id="{1D46C847-E9EA-47C9-90D5-1764B9B1A6B9}"/>
+                <a16:creationId xmlns:a16="http://schemas.microsoft.com/office/drawing/2014/main" xmlns="" id="{1D46C847-E9EA-47C9-90D5-1764B9B1A6B9}"/>
               </a:ext>
             </a:extLst>
           </p:cNvPr>
@@ -12006,7 +12013,7 @@
           <p:cNvPr id="4" name="제목 3">
             <a:extLst>
               <a:ext uri="{FF2B5EF4-FFF2-40B4-BE49-F238E27FC236}">
-                <a16:creationId xmlns:a16="http://schemas.microsoft.com/office/drawing/2014/main" id="{D46230E2-9E02-4C14-8AEA-73D66AFE0FAB}"/>
+                <a16:creationId xmlns:a16="http://schemas.microsoft.com/office/drawing/2014/main" xmlns="" id="{D46230E2-9E02-4C14-8AEA-73D66AFE0FAB}"/>
               </a:ext>
             </a:extLst>
           </p:cNvPr>

--- a/slides/2016180042_진윤성_2DGP_2차발표.pptx
+++ b/slides/2016180042_진윤성_2DGP_2차발표.pptx
@@ -22,36 +22,36 @@
   <p:notesSz cx="6858000" cy="9144000"/>
   <p:embeddedFontLst>
     <p:embeddedFont>
-      <p:font typeface="Wingdings 2" panose="05020102010507070707" pitchFamily="18" charset="2"/>
+      <p:font typeface="Jacinto Sans" panose="00000400000000000000" pitchFamily="2" charset="0"/>
       <p:regular r:id="rId10"/>
     </p:embeddedFont>
     <p:embeddedFont>
-      <p:font typeface="-윤고딕320" panose="02030504000101010101" pitchFamily="18" charset="-127"/>
+      <p:font typeface="-윤고딕310" panose="02030504000101010101" pitchFamily="18" charset="-127"/>
       <p:regular r:id="rId11"/>
     </p:embeddedFont>
     <p:embeddedFont>
-      <p:font typeface="맑은 고딕" panose="020B0503020000020004" pitchFamily="50" charset="-127"/>
-      <p:regular r:id="rId12"/>
-      <p:bold r:id="rId13"/>
-    </p:embeddedFont>
-    <p:embeddedFont>
-      <p:font typeface="-윤고딕310" panose="02030504000101010101" pitchFamily="18" charset="-127"/>
-      <p:regular r:id="rId14"/>
-    </p:embeddedFont>
-    <p:embeddedFont>
-      <p:font typeface="나눔고딕 ExtraBold" panose="020B0600000101010101" charset="-127"/>
-      <p:bold r:id="rId15"/>
-    </p:embeddedFont>
-    <p:embeddedFont>
-      <p:font typeface="Jacinto Sans" panose="00000400000000000000" pitchFamily="2" charset="0"/>
-      <p:regular r:id="rId16"/>
+      <p:font typeface="나눔고딕 ExtraBold" panose="020D0904000000000000" pitchFamily="50" charset="-127"/>
+      <p:bold r:id="rId12"/>
     </p:embeddedFont>
     <p:embeddedFont>
       <p:font typeface="Corbel" panose="020B0503020204020204" pitchFamily="34" charset="0"/>
+      <p:regular r:id="rId13"/>
+      <p:bold r:id="rId14"/>
+      <p:italic r:id="rId15"/>
+      <p:boldItalic r:id="rId16"/>
+    </p:embeddedFont>
+    <p:embeddedFont>
+      <p:font typeface="-윤고딕320" panose="02030504000101010101" pitchFamily="18" charset="-127"/>
       <p:regular r:id="rId17"/>
-      <p:bold r:id="rId18"/>
-      <p:italic r:id="rId19"/>
-      <p:boldItalic r:id="rId20"/>
+    </p:embeddedFont>
+    <p:embeddedFont>
+      <p:font typeface="Wingdings 2" panose="05020102010507070707" pitchFamily="18" charset="2"/>
+      <p:regular r:id="rId18"/>
+    </p:embeddedFont>
+    <p:embeddedFont>
+      <p:font typeface="맑은 고딕" panose="020B0503020000020004" pitchFamily="50" charset="-127"/>
+      <p:regular r:id="rId19"/>
+      <p:bold r:id="rId20"/>
     </p:embeddedFont>
   </p:embeddedFontLst>
   <p:defaultTextStyle>
@@ -151,7 +151,7 @@
   </p:defaultTextStyle>
   <p:extLst>
     <p:ext uri="{EFAFB233-063F-42B5-8137-9DF3F51BA10A}">
-      <p15:sldGuideLst xmlns:p15="http://schemas.microsoft.com/office/powerpoint/2012/main" xmlns="">
+      <p15:sldGuideLst xmlns:p15="http://schemas.microsoft.com/office/powerpoint/2012/main">
         <p15:guide id="1" orient="horz" pos="2160">
           <p15:clr>
             <a:srgbClr val="A4A3A4"/>
@@ -761,6 +761,258 @@
     <p:extLst>
       <p:ext uri="{BB962C8B-B14F-4D97-AF65-F5344CB8AC3E}">
         <p14:creationId xmlns:p14="http://schemas.microsoft.com/office/powerpoint/2010/main" val="3391404364"/>
+      </p:ext>
+    </p:extLst>
+  </p:cSld>
+  <p:clrMapOvr>
+    <a:masterClrMapping/>
+  </p:clrMapOvr>
+</p:notes>
+</file>
+
+<file path=ppt/notesSlides/notesSlide2.xml><?xml version="1.0" encoding="utf-8"?>
+<p:notes xmlns:a="http://schemas.openxmlformats.org/drawingml/2006/main" xmlns:r="http://schemas.openxmlformats.org/officeDocument/2006/relationships" xmlns:p="http://schemas.openxmlformats.org/presentationml/2006/main">
+  <p:cSld>
+    <p:spTree>
+      <p:nvGrpSpPr>
+        <p:cNvPr id="1" name=""/>
+        <p:cNvGrpSpPr/>
+        <p:nvPr/>
+      </p:nvGrpSpPr>
+      <p:grpSpPr>
+        <a:xfrm>
+          <a:off x="0" y="0"/>
+          <a:ext cx="0" cy="0"/>
+          <a:chOff x="0" y="0"/>
+          <a:chExt cx="0" cy="0"/>
+        </a:xfrm>
+      </p:grpSpPr>
+      <p:sp>
+        <p:nvSpPr>
+          <p:cNvPr id="2" name="슬라이드 이미지 개체 틀 1"/>
+          <p:cNvSpPr>
+            <a:spLocks noGrp="1" noRot="1" noChangeAspect="1"/>
+          </p:cNvSpPr>
+          <p:nvPr>
+            <p:ph type="sldImg"/>
+          </p:nvPr>
+        </p:nvSpPr>
+        <p:spPr/>
+      </p:sp>
+      <p:sp>
+        <p:nvSpPr>
+          <p:cNvPr id="3" name="슬라이드 노트 개체 틀 2"/>
+          <p:cNvSpPr>
+            <a:spLocks noGrp="1"/>
+          </p:cNvSpPr>
+          <p:nvPr>
+            <p:ph type="body" idx="1"/>
+          </p:nvPr>
+        </p:nvSpPr>
+        <p:spPr/>
+        <p:txBody>
+          <a:bodyPr/>
+          <a:lstStyle/>
+          <a:p>
+            <a:endParaRPr lang="ko-KR" altLang="en-US" dirty="0"/>
+          </a:p>
+        </p:txBody>
+      </p:sp>
+      <p:sp>
+        <p:nvSpPr>
+          <p:cNvPr id="4" name="슬라이드 번호 개체 틀 3"/>
+          <p:cNvSpPr>
+            <a:spLocks noGrp="1"/>
+          </p:cNvSpPr>
+          <p:nvPr>
+            <p:ph type="sldNum" sz="quarter" idx="10"/>
+          </p:nvPr>
+        </p:nvSpPr>
+        <p:spPr/>
+        <p:txBody>
+          <a:bodyPr/>
+          <a:lstStyle/>
+          <a:p>
+            <a:fld id="{3AB4A96C-6EBC-4D27-9F8A-726A1C1DBDAD}" type="slidenum">
+              <a:rPr lang="ko-KR" altLang="en-US" smtClean="0"/>
+              <a:t>2</a:t>
+            </a:fld>
+            <a:endParaRPr lang="ko-KR" altLang="en-US"/>
+          </a:p>
+        </p:txBody>
+      </p:sp>
+    </p:spTree>
+    <p:extLst>
+      <p:ext uri="{BB962C8B-B14F-4D97-AF65-F5344CB8AC3E}">
+        <p14:creationId xmlns:p14="http://schemas.microsoft.com/office/powerpoint/2010/main" val="2577201276"/>
+      </p:ext>
+    </p:extLst>
+  </p:cSld>
+  <p:clrMapOvr>
+    <a:masterClrMapping/>
+  </p:clrMapOvr>
+</p:notes>
+</file>
+
+<file path=ppt/notesSlides/notesSlide3.xml><?xml version="1.0" encoding="utf-8"?>
+<p:notes xmlns:a="http://schemas.openxmlformats.org/drawingml/2006/main" xmlns:r="http://schemas.openxmlformats.org/officeDocument/2006/relationships" xmlns:p="http://schemas.openxmlformats.org/presentationml/2006/main">
+  <p:cSld>
+    <p:spTree>
+      <p:nvGrpSpPr>
+        <p:cNvPr id="1" name=""/>
+        <p:cNvGrpSpPr/>
+        <p:nvPr/>
+      </p:nvGrpSpPr>
+      <p:grpSpPr>
+        <a:xfrm>
+          <a:off x="0" y="0"/>
+          <a:ext cx="0" cy="0"/>
+          <a:chOff x="0" y="0"/>
+          <a:chExt cx="0" cy="0"/>
+        </a:xfrm>
+      </p:grpSpPr>
+      <p:sp>
+        <p:nvSpPr>
+          <p:cNvPr id="2" name="슬라이드 이미지 개체 틀 1"/>
+          <p:cNvSpPr>
+            <a:spLocks noGrp="1" noRot="1" noChangeAspect="1"/>
+          </p:cNvSpPr>
+          <p:nvPr>
+            <p:ph type="sldImg"/>
+          </p:nvPr>
+        </p:nvSpPr>
+        <p:spPr/>
+      </p:sp>
+      <p:sp>
+        <p:nvSpPr>
+          <p:cNvPr id="3" name="슬라이드 노트 개체 틀 2"/>
+          <p:cNvSpPr>
+            <a:spLocks noGrp="1"/>
+          </p:cNvSpPr>
+          <p:nvPr>
+            <p:ph type="body" idx="1"/>
+          </p:nvPr>
+        </p:nvSpPr>
+        <p:spPr/>
+        <p:txBody>
+          <a:bodyPr/>
+          <a:lstStyle/>
+          <a:p>
+            <a:endParaRPr lang="ko-KR" altLang="en-US" dirty="0"/>
+          </a:p>
+        </p:txBody>
+      </p:sp>
+      <p:sp>
+        <p:nvSpPr>
+          <p:cNvPr id="4" name="슬라이드 번호 개체 틀 3"/>
+          <p:cNvSpPr>
+            <a:spLocks noGrp="1"/>
+          </p:cNvSpPr>
+          <p:nvPr>
+            <p:ph type="sldNum" sz="quarter" idx="10"/>
+          </p:nvPr>
+        </p:nvSpPr>
+        <p:spPr/>
+        <p:txBody>
+          <a:bodyPr/>
+          <a:lstStyle/>
+          <a:p>
+            <a:fld id="{3AB4A96C-6EBC-4D27-9F8A-726A1C1DBDAD}" type="slidenum">
+              <a:rPr lang="ko-KR" altLang="en-US" smtClean="0"/>
+              <a:t>3</a:t>
+            </a:fld>
+            <a:endParaRPr lang="ko-KR" altLang="en-US"/>
+          </a:p>
+        </p:txBody>
+      </p:sp>
+    </p:spTree>
+    <p:extLst>
+      <p:ext uri="{BB962C8B-B14F-4D97-AF65-F5344CB8AC3E}">
+        <p14:creationId xmlns:p14="http://schemas.microsoft.com/office/powerpoint/2010/main" val="1590219946"/>
+      </p:ext>
+    </p:extLst>
+  </p:cSld>
+  <p:clrMapOvr>
+    <a:masterClrMapping/>
+  </p:clrMapOvr>
+</p:notes>
+</file>
+
+<file path=ppt/notesSlides/notesSlide4.xml><?xml version="1.0" encoding="utf-8"?>
+<p:notes xmlns:a="http://schemas.openxmlformats.org/drawingml/2006/main" xmlns:r="http://schemas.openxmlformats.org/officeDocument/2006/relationships" xmlns:p="http://schemas.openxmlformats.org/presentationml/2006/main">
+  <p:cSld>
+    <p:spTree>
+      <p:nvGrpSpPr>
+        <p:cNvPr id="1" name=""/>
+        <p:cNvGrpSpPr/>
+        <p:nvPr/>
+      </p:nvGrpSpPr>
+      <p:grpSpPr>
+        <a:xfrm>
+          <a:off x="0" y="0"/>
+          <a:ext cx="0" cy="0"/>
+          <a:chOff x="0" y="0"/>
+          <a:chExt cx="0" cy="0"/>
+        </a:xfrm>
+      </p:grpSpPr>
+      <p:sp>
+        <p:nvSpPr>
+          <p:cNvPr id="2" name="슬라이드 이미지 개체 틀 1"/>
+          <p:cNvSpPr>
+            <a:spLocks noGrp="1" noRot="1" noChangeAspect="1"/>
+          </p:cNvSpPr>
+          <p:nvPr>
+            <p:ph type="sldImg"/>
+          </p:nvPr>
+        </p:nvSpPr>
+        <p:spPr/>
+      </p:sp>
+      <p:sp>
+        <p:nvSpPr>
+          <p:cNvPr id="3" name="슬라이드 노트 개체 틀 2"/>
+          <p:cNvSpPr>
+            <a:spLocks noGrp="1"/>
+          </p:cNvSpPr>
+          <p:nvPr>
+            <p:ph type="body" idx="1"/>
+          </p:nvPr>
+        </p:nvSpPr>
+        <p:spPr/>
+        <p:txBody>
+          <a:bodyPr/>
+          <a:lstStyle/>
+          <a:p>
+            <a:endParaRPr lang="ko-KR" altLang="en-US" dirty="0"/>
+          </a:p>
+        </p:txBody>
+      </p:sp>
+      <p:sp>
+        <p:nvSpPr>
+          <p:cNvPr id="4" name="슬라이드 번호 개체 틀 3"/>
+          <p:cNvSpPr>
+            <a:spLocks noGrp="1"/>
+          </p:cNvSpPr>
+          <p:nvPr>
+            <p:ph type="sldNum" sz="quarter" idx="10"/>
+          </p:nvPr>
+        </p:nvSpPr>
+        <p:spPr/>
+        <p:txBody>
+          <a:bodyPr/>
+          <a:lstStyle/>
+          <a:p>
+            <a:fld id="{3AB4A96C-6EBC-4D27-9F8A-726A1C1DBDAD}" type="slidenum">
+              <a:rPr lang="ko-KR" altLang="en-US" smtClean="0"/>
+              <a:t>5</a:t>
+            </a:fld>
+            <a:endParaRPr lang="ko-KR" altLang="en-US"/>
+          </a:p>
+        </p:txBody>
+      </p:sp>
+    </p:spTree>
+    <p:extLst>
+      <p:ext uri="{BB962C8B-B14F-4D97-AF65-F5344CB8AC3E}">
+        <p14:creationId xmlns:p14="http://schemas.microsoft.com/office/powerpoint/2010/main" val="837029838"/>
       </p:ext>
     </p:extLst>
   </p:cSld>
@@ -9354,7 +9606,7 @@
           <p:cNvPr id="4" name="슬라이드 번호 개체 틀 3">
             <a:extLst>
               <a:ext uri="{FF2B5EF4-FFF2-40B4-BE49-F238E27FC236}">
-                <a16:creationId xmlns:a16="http://schemas.microsoft.com/office/drawing/2014/main" xmlns="" id="{4A198925-6EC7-4EA1-BB13-6FC1C5EFF56A}"/>
+                <a16:creationId xmlns:a16="http://schemas.microsoft.com/office/drawing/2014/main" id="{4A198925-6EC7-4EA1-BB13-6FC1C5EFF56A}"/>
               </a:ext>
             </a:extLst>
           </p:cNvPr>
@@ -9383,7 +9635,7 @@
           <p:cNvPr id="3" name="내용 개체 틀 2">
             <a:extLst>
               <a:ext uri="{FF2B5EF4-FFF2-40B4-BE49-F238E27FC236}">
-                <a16:creationId xmlns:a16="http://schemas.microsoft.com/office/drawing/2014/main" xmlns="" id="{A4A5D45E-F8A9-405B-A3E1-F34447453D85}"/>
+                <a16:creationId xmlns:a16="http://schemas.microsoft.com/office/drawing/2014/main" id="{A4A5D45E-F8A9-405B-A3E1-F34447453D85}"/>
               </a:ext>
             </a:extLst>
           </p:cNvPr>
@@ -9406,50 +9658,31 @@
             <a:pPr marL="0" indent="0" algn="ctr">
               <a:buNone/>
             </a:pPr>
+            <a:endParaRPr lang="en-US" altLang="ko-KR" sz="3300" dirty="0">
+              <a:latin typeface="-윤고딕320" panose="02030504000101010101" pitchFamily="18" charset="-127"/>
+              <a:ea typeface="-윤고딕320" panose="02030504000101010101" pitchFamily="18" charset="-127"/>
+            </a:endParaRPr>
+          </a:p>
+          <a:p>
+            <a:pPr marL="0" indent="0" algn="ctr">
+              <a:buNone/>
+            </a:pPr>
             <a:r>
-              <a:rPr lang="ko-KR" altLang="en-US" sz="3500" dirty="0">
+              <a:rPr lang="ko-KR" altLang="en-US" sz="3300" dirty="0">
                 <a:latin typeface="-윤고딕320" panose="02030504000101010101" pitchFamily="18" charset="-127"/>
                 <a:ea typeface="-윤고딕320" panose="02030504000101010101" pitchFamily="18" charset="-127"/>
               </a:rPr>
-              <a:t>도망치고</a:t>
+              <a:t>판타지 세계의 모험</a:t>
             </a:r>
-            <a:r>
-              <a:rPr lang="en-US" altLang="ko-KR" sz="3500" dirty="0">
-                <a:latin typeface="-윤고딕320" panose="02030504000101010101" pitchFamily="18" charset="-127"/>
-                <a:ea typeface="-윤고딕320" panose="02030504000101010101" pitchFamily="18" charset="-127"/>
-              </a:rPr>
-              <a:t>, </a:t>
-            </a:r>
-            <a:r>
-              <a:rPr lang="ko-KR" altLang="en-US" sz="3500" dirty="0">
-                <a:latin typeface="-윤고딕320" panose="02030504000101010101" pitchFamily="18" charset="-127"/>
-                <a:ea typeface="-윤고딕320" panose="02030504000101010101" pitchFamily="18" charset="-127"/>
-              </a:rPr>
-              <a:t>모험하며</a:t>
-            </a:r>
-            <a:r>
-              <a:rPr lang="en-US" altLang="ko-KR" sz="3500" dirty="0">
-                <a:latin typeface="-윤고딕320" panose="02030504000101010101" pitchFamily="18" charset="-127"/>
-                <a:ea typeface="-윤고딕320" panose="02030504000101010101" pitchFamily="18" charset="-127"/>
-              </a:rPr>
-              <a:t>, </a:t>
-            </a:r>
-            <a:r>
-              <a:rPr lang="ko-KR" altLang="en-US" sz="3500" dirty="0">
-                <a:latin typeface="-윤고딕320" panose="02030504000101010101" pitchFamily="18" charset="-127"/>
-                <a:ea typeface="-윤고딕320" panose="02030504000101010101" pitchFamily="18" charset="-127"/>
-              </a:rPr>
-              <a:t>살아남아라</a:t>
-            </a:r>
-            <a:r>
-              <a:rPr lang="en-US" altLang="ko-KR" sz="3500" dirty="0">
-                <a:latin typeface="-윤고딕320" panose="02030504000101010101" pitchFamily="18" charset="-127"/>
-                <a:ea typeface="-윤고딕320" panose="02030504000101010101" pitchFamily="18" charset="-127"/>
-              </a:rPr>
-              <a:t>!</a:t>
-            </a:r>
-          </a:p>
-          <a:p>
+            <a:endParaRPr lang="en-US" altLang="ko-KR" sz="3300" dirty="0">
+              <a:latin typeface="-윤고딕320" panose="02030504000101010101" pitchFamily="18" charset="-127"/>
+              <a:ea typeface="-윤고딕320" panose="02030504000101010101" pitchFamily="18" charset="-127"/>
+            </a:endParaRPr>
+          </a:p>
+          <a:p>
+            <a:pPr marL="0" indent="0">
+              <a:buNone/>
+            </a:pPr>
             <a:endParaRPr lang="en-US" altLang="ko-KR" sz="3000" dirty="0">
               <a:latin typeface="-윤고딕320" panose="02030504000101010101" pitchFamily="18" charset="-127"/>
               <a:ea typeface="-윤고딕320" panose="02030504000101010101" pitchFamily="18" charset="-127"/>
@@ -9495,15 +9728,12 @@
                 <a:latin typeface="-윤고딕310" panose="02030504000101010101" pitchFamily="18" charset="-127"/>
                 <a:ea typeface="-윤고딕310" panose="02030504000101010101" pitchFamily="18" charset="-127"/>
               </a:rPr>
-              <a:t>현실처럼 중력이 작용하는 세계이다</a:t>
+              <a:t>현실처럼 중력이 작용하는 세계</a:t>
             </a:r>
-            <a:r>
-              <a:rPr lang="en-US" altLang="ko-KR" sz="2400" dirty="0">
-                <a:latin typeface="-윤고딕310" panose="02030504000101010101" pitchFamily="18" charset="-127"/>
-                <a:ea typeface="-윤고딕310" panose="02030504000101010101" pitchFamily="18" charset="-127"/>
-              </a:rPr>
-              <a:t>.</a:t>
-            </a:r>
+            <a:endParaRPr lang="en-US" altLang="ko-KR" sz="2400" dirty="0">
+              <a:latin typeface="-윤고딕310" panose="02030504000101010101" pitchFamily="18" charset="-127"/>
+              <a:ea typeface="-윤고딕310" panose="02030504000101010101" pitchFamily="18" charset="-127"/>
+            </a:endParaRPr>
           </a:p>
           <a:p>
             <a:endParaRPr lang="en-US" altLang="ko-KR" sz="2400" dirty="0">
@@ -9552,7 +9782,7 @@
           <p:cNvPr id="2" name="제목 1">
             <a:extLst>
               <a:ext uri="{FF2B5EF4-FFF2-40B4-BE49-F238E27FC236}">
-                <a16:creationId xmlns:a16="http://schemas.microsoft.com/office/drawing/2014/main" xmlns="" id="{0AB349F5-054F-47F7-BC73-1F8767008238}"/>
+                <a16:creationId xmlns:a16="http://schemas.microsoft.com/office/drawing/2014/main" id="{0AB349F5-054F-47F7-BC73-1F8767008238}"/>
               </a:ext>
             </a:extLst>
           </p:cNvPr>
@@ -9632,7 +9862,7 @@
           <p:cNvPr id="4" name="슬라이드 번호 개체 틀 3">
             <a:extLst>
               <a:ext uri="{FF2B5EF4-FFF2-40B4-BE49-F238E27FC236}">
-                <a16:creationId xmlns:a16="http://schemas.microsoft.com/office/drawing/2014/main" xmlns="" id="{4A198925-6EC7-4EA1-BB13-6FC1C5EFF56A}"/>
+                <a16:creationId xmlns:a16="http://schemas.microsoft.com/office/drawing/2014/main" id="{4A198925-6EC7-4EA1-BB13-6FC1C5EFF56A}"/>
               </a:ext>
             </a:extLst>
           </p:cNvPr>
@@ -9661,7 +9891,7 @@
           <p:cNvPr id="3" name="내용 개체 틀 2">
             <a:extLst>
               <a:ext uri="{FF2B5EF4-FFF2-40B4-BE49-F238E27FC236}">
-                <a16:creationId xmlns:a16="http://schemas.microsoft.com/office/drawing/2014/main" xmlns="" id="{A4A5D45E-F8A9-405B-A3E1-F34447453D85}"/>
+                <a16:creationId xmlns:a16="http://schemas.microsoft.com/office/drawing/2014/main" id="{A4A5D45E-F8A9-405B-A3E1-F34447453D85}"/>
               </a:ext>
             </a:extLst>
           </p:cNvPr>
@@ -9700,7 +9930,7 @@
           <p:cNvPr id="2" name="제목 1">
             <a:extLst>
               <a:ext uri="{FF2B5EF4-FFF2-40B4-BE49-F238E27FC236}">
-                <a16:creationId xmlns:a16="http://schemas.microsoft.com/office/drawing/2014/main" xmlns="" id="{0AB349F5-054F-47F7-BC73-1F8767008238}"/>
+                <a16:creationId xmlns:a16="http://schemas.microsoft.com/office/drawing/2014/main" id="{0AB349F5-054F-47F7-BC73-1F8767008238}"/>
               </a:ext>
             </a:extLst>
           </p:cNvPr>
@@ -9750,7 +9980,7 @@
           <p:cNvPr id="5" name="내용 개체 틀 5">
             <a:extLst>
               <a:ext uri="{FF2B5EF4-FFF2-40B4-BE49-F238E27FC236}">
-                <a16:creationId xmlns:a16="http://schemas.microsoft.com/office/drawing/2014/main" xmlns="" id="{ABCCB288-92AD-40D9-96F3-7AF9F1F1FB1A}"/>
+                <a16:creationId xmlns:a16="http://schemas.microsoft.com/office/drawing/2014/main" id="{ABCCB288-92AD-40D9-96F3-7AF9F1F1FB1A}"/>
               </a:ext>
             </a:extLst>
           </p:cNvPr>
@@ -9779,14 +10009,14 @@
                 <a:gridCol w="946448">
                   <a:extLst>
                     <a:ext uri="{9D8B030D-6E8A-4147-A177-3AD203B41FA5}">
-                      <a16:colId xmlns:a16="http://schemas.microsoft.com/office/drawing/2014/main" xmlns="" val="3026215981"/>
+                      <a16:colId xmlns:a16="http://schemas.microsoft.com/office/drawing/2014/main" val="3026215981"/>
                     </a:ext>
                   </a:extLst>
                 </a:gridCol>
                 <a:gridCol w="7203904">
                   <a:extLst>
                     <a:ext uri="{9D8B030D-6E8A-4147-A177-3AD203B41FA5}">
-                      <a16:colId xmlns:a16="http://schemas.microsoft.com/office/drawing/2014/main" xmlns="" val="3107912970"/>
+                      <a16:colId xmlns:a16="http://schemas.microsoft.com/office/drawing/2014/main" val="3107912970"/>
                     </a:ext>
                   </a:extLst>
                 </a:gridCol>
@@ -9828,7 +10058,7 @@
                 </a:tc>
                 <a:extLst>
                   <a:ext uri="{0D108BD9-81ED-4DB2-BD59-A6C34878D82A}">
-                    <a16:rowId xmlns:a16="http://schemas.microsoft.com/office/drawing/2014/main" xmlns="" val="2777749688"/>
+                    <a16:rowId xmlns:a16="http://schemas.microsoft.com/office/drawing/2014/main" val="2777749688"/>
                   </a:ext>
                 </a:extLst>
               </a:tr>
@@ -9887,7 +10117,7 @@
                 </a:tc>
                 <a:extLst>
                   <a:ext uri="{0D108BD9-81ED-4DB2-BD59-A6C34878D82A}">
-                    <a16:rowId xmlns:a16="http://schemas.microsoft.com/office/drawing/2014/main" xmlns="" val="2854291080"/>
+                    <a16:rowId xmlns:a16="http://schemas.microsoft.com/office/drawing/2014/main" val="2854291080"/>
                   </a:ext>
                 </a:extLst>
               </a:tr>
@@ -9984,7 +10214,7 @@
                 </a:tc>
                 <a:extLst>
                   <a:ext uri="{0D108BD9-81ED-4DB2-BD59-A6C34878D82A}">
-                    <a16:rowId xmlns:a16="http://schemas.microsoft.com/office/drawing/2014/main" xmlns="" val="1194299463"/>
+                    <a16:rowId xmlns:a16="http://schemas.microsoft.com/office/drawing/2014/main" val="1194299463"/>
                   </a:ext>
                 </a:extLst>
               </a:tr>
@@ -10070,7 +10300,7 @@
                 </a:tc>
                 <a:extLst>
                   <a:ext uri="{0D108BD9-81ED-4DB2-BD59-A6C34878D82A}">
-                    <a16:rowId xmlns:a16="http://schemas.microsoft.com/office/drawing/2014/main" xmlns="" val="2345408676"/>
+                    <a16:rowId xmlns:a16="http://schemas.microsoft.com/office/drawing/2014/main" val="2345408676"/>
                   </a:ext>
                 </a:extLst>
               </a:tr>
@@ -10152,14 +10382,7 @@
                           <a:latin typeface="-윤고딕310" panose="02030504000101010101" pitchFamily="18" charset="-127"/>
                           <a:ea typeface="-윤고딕310" panose="02030504000101010101" pitchFamily="18" charset="-127"/>
                         </a:rPr>
-                        <a:t> </a:t>
-                      </a:r>
-                      <a:r>
-                        <a:rPr lang="ko-KR" altLang="en-US" sz="1400" dirty="0" smtClean="0">
-                          <a:latin typeface="-윤고딕310" panose="02030504000101010101" pitchFamily="18" charset="-127"/>
-                          <a:ea typeface="-윤고딕310" panose="02030504000101010101" pitchFamily="18" charset="-127"/>
-                        </a:rPr>
-                        <a:t>테마에는 마을</a:t>
+                        <a:t> 테마에는 마을</a:t>
                       </a:r>
                       <a:r>
                         <a:rPr lang="en-US" altLang="ko-KR" sz="1400" dirty="0">
@@ -10183,18 +10406,11 @@
                         <a:t>, </a:t>
                       </a:r>
                       <a:r>
-                        <a:rPr lang="ko-KR" altLang="en-US" sz="1400" dirty="0" smtClean="0">
-                          <a:latin typeface="-윤고딕310" panose="02030504000101010101" pitchFamily="18" charset="-127"/>
-                          <a:ea typeface="-윤고딕310" panose="02030504000101010101" pitchFamily="18" charset="-127"/>
-                        </a:rPr>
-                        <a:t>도시가 </a:t>
-                      </a:r>
-                      <a:r>
                         <a:rPr lang="ko-KR" altLang="en-US" sz="1400" dirty="0">
                           <a:latin typeface="-윤고딕310" panose="02030504000101010101" pitchFamily="18" charset="-127"/>
                           <a:ea typeface="-윤고딕310" panose="02030504000101010101" pitchFamily="18" charset="-127"/>
                         </a:rPr>
-                        <a:t>있다</a:t>
+                        <a:t>도시가 있다</a:t>
                       </a:r>
                       <a:r>
                         <a:rPr lang="en-US" altLang="ko-KR" sz="1400" dirty="0">
@@ -10209,7 +10425,7 @@
                 </a:tc>
                 <a:extLst>
                   <a:ext uri="{0D108BD9-81ED-4DB2-BD59-A6C34878D82A}">
-                    <a16:rowId xmlns:a16="http://schemas.microsoft.com/office/drawing/2014/main" xmlns="" val="132467065"/>
+                    <a16:rowId xmlns:a16="http://schemas.microsoft.com/office/drawing/2014/main" val="132467065"/>
                   </a:ext>
                 </a:extLst>
               </a:tr>
@@ -10307,7 +10523,7 @@
                 </a:tc>
                 <a:extLst>
                   <a:ext uri="{0D108BD9-81ED-4DB2-BD59-A6C34878D82A}">
-                    <a16:rowId xmlns:a16="http://schemas.microsoft.com/office/drawing/2014/main" xmlns="" val="2060674530"/>
+                    <a16:rowId xmlns:a16="http://schemas.microsoft.com/office/drawing/2014/main" val="2060674530"/>
                   </a:ext>
                 </a:extLst>
               </a:tr>
@@ -10380,7 +10596,7 @@
                 </a:tc>
                 <a:extLst>
                   <a:ext uri="{0D108BD9-81ED-4DB2-BD59-A6C34878D82A}">
-                    <a16:rowId xmlns:a16="http://schemas.microsoft.com/office/drawing/2014/main" xmlns="" val="1182672815"/>
+                    <a16:rowId xmlns:a16="http://schemas.microsoft.com/office/drawing/2014/main" val="1182672815"/>
                   </a:ext>
                 </a:extLst>
               </a:tr>
@@ -10467,7 +10683,7 @@
                 </a:tc>
                 <a:extLst>
                   <a:ext uri="{0D108BD9-81ED-4DB2-BD59-A6C34878D82A}">
-                    <a16:rowId xmlns:a16="http://schemas.microsoft.com/office/drawing/2014/main" xmlns="" val="1488941561"/>
+                    <a16:rowId xmlns:a16="http://schemas.microsoft.com/office/drawing/2014/main" val="1488941561"/>
                   </a:ext>
                 </a:extLst>
               </a:tr>
@@ -10510,7 +10726,7 @@
           <p:cNvPr id="4" name="슬라이드 번호 개체 틀 3">
             <a:extLst>
               <a:ext uri="{FF2B5EF4-FFF2-40B4-BE49-F238E27FC236}">
-                <a16:creationId xmlns:a16="http://schemas.microsoft.com/office/drawing/2014/main" xmlns="" id="{5AE9AE37-5589-4777-8329-0EA539358E93}"/>
+                <a16:creationId xmlns:a16="http://schemas.microsoft.com/office/drawing/2014/main" id="{5AE9AE37-5589-4777-8329-0EA539358E93}"/>
               </a:ext>
             </a:extLst>
           </p:cNvPr>
@@ -10539,7 +10755,7 @@
           <p:cNvPr id="3" name="내용 개체 틀 2">
             <a:extLst>
               <a:ext uri="{FF2B5EF4-FFF2-40B4-BE49-F238E27FC236}">
-                <a16:creationId xmlns:a16="http://schemas.microsoft.com/office/drawing/2014/main" xmlns="" id="{F8D78605-D1E1-4D25-8459-5938889AC313}"/>
+                <a16:creationId xmlns:a16="http://schemas.microsoft.com/office/drawing/2014/main" id="{F8D78605-D1E1-4D25-8459-5938889AC313}"/>
               </a:ext>
             </a:extLst>
           </p:cNvPr>
@@ -10564,7 +10780,7 @@
           <p:cNvPr id="5" name="내용 개체 틀 5">
             <a:extLst>
               <a:ext uri="{FF2B5EF4-FFF2-40B4-BE49-F238E27FC236}">
-                <a16:creationId xmlns:a16="http://schemas.microsoft.com/office/drawing/2014/main" xmlns="" id="{FB2E4102-1495-44A0-852D-BC87ACBEA27E}"/>
+                <a16:creationId xmlns:a16="http://schemas.microsoft.com/office/drawing/2014/main" id="{FB2E4102-1495-44A0-852D-BC87ACBEA27E}"/>
               </a:ext>
             </a:extLst>
           </p:cNvPr>
@@ -10574,7 +10790,7 @@
           <p:nvPr>
             <p:extLst>
               <p:ext uri="{D42A27DB-BD31-4B8C-83A1-F6EECF244321}">
-                <p14:modId xmlns:p14="http://schemas.microsoft.com/office/powerpoint/2010/main" val="2044415634"/>
+                <p14:modId xmlns:p14="http://schemas.microsoft.com/office/powerpoint/2010/main" val="416092082"/>
               </p:ext>
             </p:extLst>
           </p:nvPr>
@@ -10593,21 +10809,21 @@
                 <a:gridCol w="946448">
                   <a:extLst>
                     <a:ext uri="{9D8B030D-6E8A-4147-A177-3AD203B41FA5}">
-                      <a16:colId xmlns:a16="http://schemas.microsoft.com/office/drawing/2014/main" xmlns="" val="3026215981"/>
+                      <a16:colId xmlns:a16="http://schemas.microsoft.com/office/drawing/2014/main" val="3026215981"/>
                     </a:ext>
                   </a:extLst>
                 </a:gridCol>
                 <a:gridCol w="1152128">
                   <a:extLst>
                     <a:ext uri="{9D8B030D-6E8A-4147-A177-3AD203B41FA5}">
-                      <a16:colId xmlns:a16="http://schemas.microsoft.com/office/drawing/2014/main" xmlns="" val="3107912970"/>
+                      <a16:colId xmlns:a16="http://schemas.microsoft.com/office/drawing/2014/main" val="3107912970"/>
                     </a:ext>
                   </a:extLst>
                 </a:gridCol>
                 <a:gridCol w="6051777">
                   <a:extLst>
                     <a:ext uri="{9D8B030D-6E8A-4147-A177-3AD203B41FA5}">
-                      <a16:colId xmlns:a16="http://schemas.microsoft.com/office/drawing/2014/main" xmlns="" val="1502471586"/>
+                      <a16:colId xmlns:a16="http://schemas.microsoft.com/office/drawing/2014/main" val="1502471586"/>
                     </a:ext>
                   </a:extLst>
                 </a:gridCol>
@@ -10660,7 +10876,7 @@
                 </a:tc>
                 <a:extLst>
                   <a:ext uri="{0D108BD9-81ED-4DB2-BD59-A6C34878D82A}">
-                    <a16:rowId xmlns:a16="http://schemas.microsoft.com/office/drawing/2014/main" xmlns="" val="2777749688"/>
+                    <a16:rowId xmlns:a16="http://schemas.microsoft.com/office/drawing/2014/main" val="2777749688"/>
                   </a:ext>
                 </a:extLst>
               </a:tr>
@@ -10700,7 +10916,7 @@
                           <a:latin typeface="-윤고딕310" panose="02030504000101010101" pitchFamily="18" charset="-127"/>
                           <a:ea typeface="-윤고딕310" panose="02030504000101010101" pitchFamily="18" charset="-127"/>
                         </a:rPr>
-                        <a:t>리소스 수집</a:t>
+                        <a:t>리소스</a:t>
                       </a:r>
                     </a:p>
                   </a:txBody>
@@ -10740,21 +10956,7 @@
                           <a:latin typeface="-윤고딕310" panose="02030504000101010101" pitchFamily="18" charset="-127"/>
                           <a:ea typeface="-윤고딕310" panose="02030504000101010101" pitchFamily="18" charset="-127"/>
                         </a:rPr>
-                        <a:t> 필요한 그래픽 리소스는 모두 구하였다</a:t>
-                      </a:r>
-                      <a:r>
-                        <a:rPr lang="en-US" altLang="ko-KR" sz="1400" dirty="0">
-                          <a:latin typeface="-윤고딕310" panose="02030504000101010101" pitchFamily="18" charset="-127"/>
-                          <a:ea typeface="-윤고딕310" panose="02030504000101010101" pitchFamily="18" charset="-127"/>
-                        </a:rPr>
-                        <a:t>. </a:t>
-                      </a:r>
-                      <a:r>
-                        <a:rPr lang="ko-KR" altLang="en-US" sz="1400" dirty="0">
-                          <a:latin typeface="-윤고딕310" panose="02030504000101010101" pitchFamily="18" charset="-127"/>
-                          <a:ea typeface="-윤고딕310" panose="02030504000101010101" pitchFamily="18" charset="-127"/>
-                        </a:rPr>
-                        <a:t>구한 리소스에 맞춰 객체도 만들어 놓았다</a:t>
+                        <a:t> 필요한 그래픽 수집은 완료</a:t>
                       </a:r>
                       <a:r>
                         <a:rPr lang="en-US" altLang="ko-KR" sz="1400" dirty="0">
@@ -10773,7 +10975,7 @@
                 </a:tc>
                 <a:extLst>
                   <a:ext uri="{0D108BD9-81ED-4DB2-BD59-A6C34878D82A}">
-                    <a16:rowId xmlns:a16="http://schemas.microsoft.com/office/drawing/2014/main" xmlns="" val="2854291080"/>
+                    <a16:rowId xmlns:a16="http://schemas.microsoft.com/office/drawing/2014/main" val="2854291080"/>
                   </a:ext>
                 </a:extLst>
               </a:tr>
@@ -10872,7 +11074,7 @@
                 </a:tc>
                 <a:extLst>
                   <a:ext uri="{0D108BD9-81ED-4DB2-BD59-A6C34878D82A}">
-                    <a16:rowId xmlns:a16="http://schemas.microsoft.com/office/drawing/2014/main" xmlns="" val="1194299463"/>
+                    <a16:rowId xmlns:a16="http://schemas.microsoft.com/office/drawing/2014/main" val="1194299463"/>
                   </a:ext>
                 </a:extLst>
               </a:tr>
@@ -10913,13 +11115,6 @@
                           <a:ea typeface="-윤고딕310" panose="02030504000101010101" pitchFamily="18" charset="-127"/>
                         </a:rPr>
                         <a:t>플레이어</a:t>
-                      </a:r>
-                      <a:r>
-                        <a:rPr lang="en-US" altLang="ko-KR" sz="1500" dirty="0">
-                          <a:latin typeface="-윤고딕310" panose="02030504000101010101" pitchFamily="18" charset="-127"/>
-                          <a:ea typeface="-윤고딕310" panose="02030504000101010101" pitchFamily="18" charset="-127"/>
-                        </a:rPr>
-                        <a:t/>
                       </a:r>
                       <a:br>
                         <a:rPr lang="en-US" altLang="ko-KR" sz="1500" dirty="0">
@@ -10969,7 +11164,7 @@
                           <a:latin typeface="-윤고딕310" panose="02030504000101010101" pitchFamily="18" charset="-127"/>
                           <a:ea typeface="-윤고딕310" panose="02030504000101010101" pitchFamily="18" charset="-127"/>
                         </a:rPr>
-                        <a:t>(80%) </a:t>
+                        <a:t>(70%) </a:t>
                       </a:r>
                       <a:r>
                         <a:rPr lang="ko-KR" altLang="en-US" sz="1400" dirty="0">
@@ -11009,7 +11204,7 @@
                 </a:tc>
                 <a:extLst>
                   <a:ext uri="{0D108BD9-81ED-4DB2-BD59-A6C34878D82A}">
-                    <a16:rowId xmlns:a16="http://schemas.microsoft.com/office/drawing/2014/main" xmlns="" val="2345408676"/>
+                    <a16:rowId xmlns:a16="http://schemas.microsoft.com/office/drawing/2014/main" val="2345408676"/>
                   </a:ext>
                 </a:extLst>
               </a:tr>
@@ -11183,7 +11378,7 @@
                 </a:tc>
                 <a:extLst>
                   <a:ext uri="{0D108BD9-81ED-4DB2-BD59-A6C34878D82A}">
-                    <a16:rowId xmlns:a16="http://schemas.microsoft.com/office/drawing/2014/main" xmlns="" val="132467065"/>
+                    <a16:rowId xmlns:a16="http://schemas.microsoft.com/office/drawing/2014/main" val="132467065"/>
                   </a:ext>
                 </a:extLst>
               </a:tr>
@@ -11325,7 +11520,7 @@
                 </a:tc>
                 <a:extLst>
                   <a:ext uri="{0D108BD9-81ED-4DB2-BD59-A6C34878D82A}">
-                    <a16:rowId xmlns:a16="http://schemas.microsoft.com/office/drawing/2014/main" xmlns="" val="2060674530"/>
+                    <a16:rowId xmlns:a16="http://schemas.microsoft.com/office/drawing/2014/main" val="2060674530"/>
                   </a:ext>
                 </a:extLst>
               </a:tr>
@@ -11385,7 +11580,7 @@
                 </a:tc>
                 <a:extLst>
                   <a:ext uri="{0D108BD9-81ED-4DB2-BD59-A6C34878D82A}">
-                    <a16:rowId xmlns:a16="http://schemas.microsoft.com/office/drawing/2014/main" xmlns="" val="1182672815"/>
+                    <a16:rowId xmlns:a16="http://schemas.microsoft.com/office/drawing/2014/main" val="1182672815"/>
                   </a:ext>
                 </a:extLst>
               </a:tr>
@@ -11546,7 +11741,7 @@
                 </a:tc>
                 <a:extLst>
                   <a:ext uri="{0D108BD9-81ED-4DB2-BD59-A6C34878D82A}">
-                    <a16:rowId xmlns:a16="http://schemas.microsoft.com/office/drawing/2014/main" xmlns="" val="1488941561"/>
+                    <a16:rowId xmlns:a16="http://schemas.microsoft.com/office/drawing/2014/main" val="1488941561"/>
                   </a:ext>
                 </a:extLst>
               </a:tr>
@@ -11637,7 +11832,7 @@
                 </a:tc>
                 <a:extLst>
                   <a:ext uri="{0D108BD9-81ED-4DB2-BD59-A6C34878D82A}">
-                    <a16:rowId xmlns:a16="http://schemas.microsoft.com/office/drawing/2014/main" xmlns="" val="3711537143"/>
+                    <a16:rowId xmlns:a16="http://schemas.microsoft.com/office/drawing/2014/main" val="3711537143"/>
                   </a:ext>
                 </a:extLst>
               </a:tr>
@@ -11650,7 +11845,7 @@
           <p:cNvPr id="8" name="제목 1">
             <a:extLst>
               <a:ext uri="{FF2B5EF4-FFF2-40B4-BE49-F238E27FC236}">
-                <a16:creationId xmlns:a16="http://schemas.microsoft.com/office/drawing/2014/main" xmlns="" id="{CAF6C5C1-666E-4AB8-8E69-74FCE42E6892}"/>
+                <a16:creationId xmlns:a16="http://schemas.microsoft.com/office/drawing/2014/main" id="{CAF6C5C1-666E-4AB8-8E69-74FCE42E6892}"/>
               </a:ext>
             </a:extLst>
           </p:cNvPr>
@@ -11804,7 +11999,7 @@
           <p:cNvPr id="2" name="슬라이드 번호 개체 틀 1">
             <a:extLst>
               <a:ext uri="{FF2B5EF4-FFF2-40B4-BE49-F238E27FC236}">
-                <a16:creationId xmlns:a16="http://schemas.microsoft.com/office/drawing/2014/main" xmlns="" id="{5EF50D4E-4E52-44C7-B2FA-0B834B9A0E03}"/>
+                <a16:creationId xmlns:a16="http://schemas.microsoft.com/office/drawing/2014/main" id="{5EF50D4E-4E52-44C7-B2FA-0B834B9A0E03}"/>
               </a:ext>
             </a:extLst>
           </p:cNvPr>
@@ -11833,7 +12028,7 @@
           <p:cNvPr id="6" name="내용 개체 틀 5">
             <a:extLst>
               <a:ext uri="{FF2B5EF4-FFF2-40B4-BE49-F238E27FC236}">
-                <a16:creationId xmlns:a16="http://schemas.microsoft.com/office/drawing/2014/main" xmlns="" id="{55BC1DFF-7D36-4BFA-B967-700FAE6CC989}"/>
+                <a16:creationId xmlns:a16="http://schemas.microsoft.com/office/drawing/2014/main" id="{55BC1DFF-7D36-4BFA-B967-700FAE6CC989}"/>
               </a:ext>
             </a:extLst>
           </p:cNvPr>
@@ -11845,7 +12040,7 @@
           </p:nvPr>
         </p:nvPicPr>
         <p:blipFill>
-          <a:blip r:embed="rId2">
+          <a:blip r:embed="rId3">
             <a:extLst>
               <a:ext uri="{28A0092B-C50C-407E-A947-70E740481C1C}">
                 <a14:useLocalDpi xmlns:a14="http://schemas.microsoft.com/office/drawing/2010/main" val="0"/>
@@ -11868,7 +12063,7 @@
           <p:cNvPr id="4" name="제목 3">
             <a:extLst>
               <a:ext uri="{FF2B5EF4-FFF2-40B4-BE49-F238E27FC236}">
-                <a16:creationId xmlns:a16="http://schemas.microsoft.com/office/drawing/2014/main" xmlns="" id="{D46230E2-9E02-4C14-8AEA-73D66AFE0FAB}"/>
+                <a16:creationId xmlns:a16="http://schemas.microsoft.com/office/drawing/2014/main" id="{D46230E2-9E02-4C14-8AEA-73D66AFE0FAB}"/>
               </a:ext>
             </a:extLst>
           </p:cNvPr>
@@ -11949,7 +12144,7 @@
           <p:cNvPr id="2" name="슬라이드 번호 개체 틀 1">
             <a:extLst>
               <a:ext uri="{FF2B5EF4-FFF2-40B4-BE49-F238E27FC236}">
-                <a16:creationId xmlns:a16="http://schemas.microsoft.com/office/drawing/2014/main" xmlns="" id="{5EF50D4E-4E52-44C7-B2FA-0B834B9A0E03}"/>
+                <a16:creationId xmlns:a16="http://schemas.microsoft.com/office/drawing/2014/main" id="{5EF50D4E-4E52-44C7-B2FA-0B834B9A0E03}"/>
               </a:ext>
             </a:extLst>
           </p:cNvPr>
@@ -11978,7 +12173,7 @@
           <p:cNvPr id="6" name="내용 개체 틀 5">
             <a:extLst>
               <a:ext uri="{FF2B5EF4-FFF2-40B4-BE49-F238E27FC236}">
-                <a16:creationId xmlns:a16="http://schemas.microsoft.com/office/drawing/2014/main" xmlns="" id="{1D46C847-E9EA-47C9-90D5-1764B9B1A6B9}"/>
+                <a16:creationId xmlns:a16="http://schemas.microsoft.com/office/drawing/2014/main" id="{1D46C847-E9EA-47C9-90D5-1764B9B1A6B9}"/>
               </a:ext>
             </a:extLst>
           </p:cNvPr>
@@ -12013,7 +12208,7 @@
           <p:cNvPr id="4" name="제목 3">
             <a:extLst>
               <a:ext uri="{FF2B5EF4-FFF2-40B4-BE49-F238E27FC236}">
-                <a16:creationId xmlns:a16="http://schemas.microsoft.com/office/drawing/2014/main" xmlns="" id="{D46230E2-9E02-4C14-8AEA-73D66AFE0FAB}"/>
+                <a16:creationId xmlns:a16="http://schemas.microsoft.com/office/drawing/2014/main" id="{D46230E2-9E02-4C14-8AEA-73D66AFE0FAB}"/>
               </a:ext>
             </a:extLst>
           </p:cNvPr>

--- a/slides/2016180042_진윤성_2DGP_2차발표.pptx
+++ b/slides/2016180042_진윤성_2DGP_2차발표.pptx
@@ -5,10 +5,10 @@
     <p:sldMasterId id="2147483798" r:id="rId1"/>
   </p:sldMasterIdLst>
   <p:notesMasterIdLst>
-    <p:notesMasterId r:id="rId8"/>
+    <p:notesMasterId r:id="rId9"/>
   </p:notesMasterIdLst>
   <p:handoutMasterIdLst>
-    <p:handoutMasterId r:id="rId9"/>
+    <p:handoutMasterId r:id="rId10"/>
   </p:handoutMasterIdLst>
   <p:sldIdLst>
     <p:sldId id="256" r:id="rId2"/>
@@ -17,41 +17,42 @@
     <p:sldId id="259" r:id="rId5"/>
     <p:sldId id="260" r:id="rId6"/>
     <p:sldId id="261" r:id="rId7"/>
+    <p:sldId id="266" r:id="rId8"/>
   </p:sldIdLst>
   <p:sldSz cx="9144000" cy="6858000" type="screen4x3"/>
   <p:notesSz cx="6858000" cy="9144000"/>
   <p:embeddedFontLst>
     <p:embeddedFont>
       <p:font typeface="Jacinto Sans" panose="00000400000000000000" pitchFamily="2" charset="0"/>
-      <p:regular r:id="rId10"/>
+      <p:regular r:id="rId11"/>
     </p:embeddedFont>
     <p:embeddedFont>
       <p:font typeface="-윤고딕310" panose="02030504000101010101" pitchFamily="18" charset="-127"/>
-      <p:regular r:id="rId11"/>
+      <p:regular r:id="rId12"/>
     </p:embeddedFont>
     <p:embeddedFont>
       <p:font typeface="나눔고딕 ExtraBold" panose="020D0904000000000000" pitchFamily="50" charset="-127"/>
-      <p:bold r:id="rId12"/>
+      <p:bold r:id="rId13"/>
     </p:embeddedFont>
     <p:embeddedFont>
       <p:font typeface="Corbel" panose="020B0503020204020204" pitchFamily="34" charset="0"/>
-      <p:regular r:id="rId13"/>
-      <p:bold r:id="rId14"/>
-      <p:italic r:id="rId15"/>
-      <p:boldItalic r:id="rId16"/>
+      <p:regular r:id="rId14"/>
+      <p:bold r:id="rId15"/>
+      <p:italic r:id="rId16"/>
+      <p:boldItalic r:id="rId17"/>
     </p:embeddedFont>
     <p:embeddedFont>
       <p:font typeface="-윤고딕320" panose="02030504000101010101" pitchFamily="18" charset="-127"/>
-      <p:regular r:id="rId17"/>
+      <p:regular r:id="rId18"/>
     </p:embeddedFont>
     <p:embeddedFont>
       <p:font typeface="Wingdings 2" panose="05020102010507070707" pitchFamily="18" charset="2"/>
-      <p:regular r:id="rId18"/>
+      <p:regular r:id="rId19"/>
     </p:embeddedFont>
     <p:embeddedFont>
       <p:font typeface="맑은 고딕" panose="020B0503020000020004" pitchFamily="50" charset="-127"/>
-      <p:regular r:id="rId19"/>
-      <p:bold r:id="rId20"/>
+      <p:regular r:id="rId20"/>
+      <p:bold r:id="rId21"/>
     </p:embeddedFont>
   </p:embeddedFontLst>
   <p:defaultTextStyle>
@@ -939,6 +940,90 @@
 </file>
 
 <file path=ppt/notesSlides/notesSlide4.xml><?xml version="1.0" encoding="utf-8"?>
+<p:notes xmlns:a="http://schemas.openxmlformats.org/drawingml/2006/main" xmlns:r="http://schemas.openxmlformats.org/officeDocument/2006/relationships" xmlns:p="http://schemas.openxmlformats.org/presentationml/2006/main">
+  <p:cSld>
+    <p:spTree>
+      <p:nvGrpSpPr>
+        <p:cNvPr id="1" name=""/>
+        <p:cNvGrpSpPr/>
+        <p:nvPr/>
+      </p:nvGrpSpPr>
+      <p:grpSpPr>
+        <a:xfrm>
+          <a:off x="0" y="0"/>
+          <a:ext cx="0" cy="0"/>
+          <a:chOff x="0" y="0"/>
+          <a:chExt cx="0" cy="0"/>
+        </a:xfrm>
+      </p:grpSpPr>
+      <p:sp>
+        <p:nvSpPr>
+          <p:cNvPr id="2" name="슬라이드 이미지 개체 틀 1"/>
+          <p:cNvSpPr>
+            <a:spLocks noGrp="1" noRot="1" noChangeAspect="1"/>
+          </p:cNvSpPr>
+          <p:nvPr>
+            <p:ph type="sldImg"/>
+          </p:nvPr>
+        </p:nvSpPr>
+        <p:spPr/>
+      </p:sp>
+      <p:sp>
+        <p:nvSpPr>
+          <p:cNvPr id="3" name="슬라이드 노트 개체 틀 2"/>
+          <p:cNvSpPr>
+            <a:spLocks noGrp="1"/>
+          </p:cNvSpPr>
+          <p:nvPr>
+            <p:ph type="body" idx="1"/>
+          </p:nvPr>
+        </p:nvSpPr>
+        <p:spPr/>
+        <p:txBody>
+          <a:bodyPr/>
+          <a:lstStyle/>
+          <a:p>
+            <a:endParaRPr lang="ko-KR" altLang="en-US" dirty="0"/>
+          </a:p>
+        </p:txBody>
+      </p:sp>
+      <p:sp>
+        <p:nvSpPr>
+          <p:cNvPr id="4" name="슬라이드 번호 개체 틀 3"/>
+          <p:cNvSpPr>
+            <a:spLocks noGrp="1"/>
+          </p:cNvSpPr>
+          <p:nvPr>
+            <p:ph type="sldNum" sz="quarter" idx="10"/>
+          </p:nvPr>
+        </p:nvSpPr>
+        <p:spPr/>
+        <p:txBody>
+          <a:bodyPr/>
+          <a:lstStyle/>
+          <a:p>
+            <a:fld id="{3AB4A96C-6EBC-4D27-9F8A-726A1C1DBDAD}" type="slidenum">
+              <a:rPr lang="ko-KR" altLang="en-US" smtClean="0"/>
+              <a:t>4</a:t>
+            </a:fld>
+            <a:endParaRPr lang="ko-KR" altLang="en-US"/>
+          </a:p>
+        </p:txBody>
+      </p:sp>
+    </p:spTree>
+    <p:extLst>
+      <p:ext uri="{BB962C8B-B14F-4D97-AF65-F5344CB8AC3E}">
+        <p14:creationId xmlns:p14="http://schemas.microsoft.com/office/powerpoint/2010/main" val="683544891"/>
+      </p:ext>
+    </p:extLst>
+  </p:cSld>
+  <p:clrMapOvr>
+    <a:masterClrMapping/>
+  </p:clrMapOvr>
+</p:notes>
+</file>
+
+<file path=ppt/notesSlides/notesSlide5.xml><?xml version="1.0" encoding="utf-8"?>
 <p:notes xmlns:a="http://schemas.openxmlformats.org/drawingml/2006/main" xmlns:r="http://schemas.openxmlformats.org/officeDocument/2006/relationships" xmlns:p="http://schemas.openxmlformats.org/presentationml/2006/main">
   <p:cSld>
     <p:spTree>
@@ -9658,15 +9743,6 @@
             <a:pPr marL="0" indent="0" algn="ctr">
               <a:buNone/>
             </a:pPr>
-            <a:endParaRPr lang="en-US" altLang="ko-KR" sz="3300" dirty="0">
-              <a:latin typeface="-윤고딕320" panose="02030504000101010101" pitchFamily="18" charset="-127"/>
-              <a:ea typeface="-윤고딕320" panose="02030504000101010101" pitchFamily="18" charset="-127"/>
-            </a:endParaRPr>
-          </a:p>
-          <a:p>
-            <a:pPr marL="0" indent="0" algn="ctr">
-              <a:buNone/>
-            </a:pPr>
             <a:r>
               <a:rPr lang="ko-KR" altLang="en-US" sz="3300" dirty="0">
                 <a:latin typeface="-윤고딕320" panose="02030504000101010101" pitchFamily="18" charset="-127"/>
@@ -9686,6 +9762,24 @@
             <a:endParaRPr lang="en-US" altLang="ko-KR" sz="3000" dirty="0">
               <a:latin typeface="-윤고딕320" panose="02030504000101010101" pitchFamily="18" charset="-127"/>
               <a:ea typeface="-윤고딕320" panose="02030504000101010101" pitchFamily="18" charset="-127"/>
+            </a:endParaRPr>
+          </a:p>
+          <a:p>
+            <a:endParaRPr lang="en-US" altLang="ko-KR" sz="3000" b="1" dirty="0">
+              <a:latin typeface="-윤고딕310" panose="02030504000101010101" pitchFamily="18" charset="-127"/>
+              <a:ea typeface="-윤고딕310" panose="02030504000101010101" pitchFamily="18" charset="-127"/>
+            </a:endParaRPr>
+          </a:p>
+          <a:p>
+            <a:endParaRPr lang="en-US" altLang="ko-KR" sz="3000" b="1" dirty="0">
+              <a:latin typeface="-윤고딕310" panose="02030504000101010101" pitchFamily="18" charset="-127"/>
+              <a:ea typeface="-윤고딕310" panose="02030504000101010101" pitchFamily="18" charset="-127"/>
+            </a:endParaRPr>
+          </a:p>
+          <a:p>
+            <a:endParaRPr lang="en-US" altLang="ko-KR" sz="3000" b="1" dirty="0">
+              <a:latin typeface="-윤고딕310" panose="02030504000101010101" pitchFamily="18" charset="-127"/>
+              <a:ea typeface="-윤고딕310" panose="02030504000101010101" pitchFamily="18" charset="-127"/>
             </a:endParaRPr>
           </a:p>
           <a:p>
@@ -9736,44 +9830,44 @@
             </a:endParaRPr>
           </a:p>
           <a:p>
-            <a:endParaRPr lang="en-US" altLang="ko-KR" sz="2400" dirty="0">
-              <a:latin typeface="-윤고딕310" panose="02030504000101010101" pitchFamily="18" charset="-127"/>
-              <a:ea typeface="-윤고딕310" panose="02030504000101010101" pitchFamily="18" charset="-127"/>
-            </a:endParaRPr>
-          </a:p>
-          <a:p>
+            <a:pPr marL="0" indent="0" algn="ctr">
+              <a:buNone/>
+            </a:pPr>
             <a:r>
-              <a:rPr lang="ko-KR" altLang="en-US" sz="2400" dirty="0">
+              <a:rPr lang="en-US" altLang="ko-KR" sz="2400" dirty="0">
                 <a:latin typeface="-윤고딕310" panose="02030504000101010101" pitchFamily="18" charset="-127"/>
                 <a:ea typeface="-윤고딕310" panose="02030504000101010101" pitchFamily="18" charset="-127"/>
               </a:rPr>
-              <a:t>메뉴를 포함하여 모든 것을 </a:t>
-            </a:r>
-            <a:r>
-              <a:rPr lang="ko-KR" altLang="en-US" sz="2400" b="1" dirty="0">
-                <a:latin typeface="-윤고딕310" panose="02030504000101010101" pitchFamily="18" charset="-127"/>
-                <a:ea typeface="-윤고딕310" panose="02030504000101010101" pitchFamily="18" charset="-127"/>
-              </a:rPr>
-              <a:t>키보드</a:t>
+              <a:t>(</a:t>
             </a:r>
             <a:r>
               <a:rPr lang="ko-KR" altLang="en-US" sz="2400" dirty="0">
                 <a:latin typeface="-윤고딕310" panose="02030504000101010101" pitchFamily="18" charset="-127"/>
                 <a:ea typeface="-윤고딕310" panose="02030504000101010101" pitchFamily="18" charset="-127"/>
               </a:rPr>
-              <a:t>로 조작한다</a:t>
+              <a:t>예시</a:t>
             </a:r>
             <a:r>
               <a:rPr lang="en-US" altLang="ko-KR" sz="2400" dirty="0">
                 <a:latin typeface="-윤고딕310" panose="02030504000101010101" pitchFamily="18" charset="-127"/>
                 <a:ea typeface="-윤고딕310" panose="02030504000101010101" pitchFamily="18" charset="-127"/>
               </a:rPr>
-              <a:t>.</a:t>
+              <a:t>: </a:t>
             </a:r>
-            <a:endParaRPr lang="en-US" altLang="ko-KR" sz="3000" dirty="0"/>
-          </a:p>
-          <a:p>
-            <a:endParaRPr lang="ko-KR" altLang="en-US" sz="3000" dirty="0"/>
+            <a:r>
+              <a:rPr lang="ko-KR" altLang="en-US" sz="2400" dirty="0">
+                <a:latin typeface="-윤고딕310" panose="02030504000101010101" pitchFamily="18" charset="-127"/>
+                <a:ea typeface="-윤고딕310" panose="02030504000101010101" pitchFamily="18" charset="-127"/>
+              </a:rPr>
+              <a:t>동굴 이야기</a:t>
+            </a:r>
+            <a:r>
+              <a:rPr lang="en-US" altLang="ko-KR" sz="2400" dirty="0">
+                <a:latin typeface="-윤고딕310" panose="02030504000101010101" pitchFamily="18" charset="-127"/>
+                <a:ea typeface="-윤고딕310" panose="02030504000101010101" pitchFamily="18" charset="-127"/>
+              </a:rPr>
+              <a:t>)</a:t>
+            </a:r>
           </a:p>
         </p:txBody>
       </p:sp>
@@ -9827,6 +9921,42 @@
           </a:p>
         </p:txBody>
       </p:sp>
+      <p:pic>
+        <p:nvPicPr>
+          <p:cNvPr id="6" name="그림 5">
+            <a:extLst>
+              <a:ext uri="{FF2B5EF4-FFF2-40B4-BE49-F238E27FC236}">
+                <a16:creationId xmlns:a16="http://schemas.microsoft.com/office/drawing/2014/main" id="{098AAF97-6383-406D-B530-370405643A33}"/>
+              </a:ext>
+            </a:extLst>
+          </p:cNvPr>
+          <p:cNvPicPr>
+            <a:picLocks noChangeAspect="1"/>
+          </p:cNvPicPr>
+          <p:nvPr/>
+        </p:nvPicPr>
+        <p:blipFill>
+          <a:blip r:embed="rId3">
+            <a:extLst>
+              <a:ext uri="{28A0092B-C50C-407E-A947-70E740481C1C}">
+                <a14:useLocalDpi xmlns:a14="http://schemas.microsoft.com/office/drawing/2010/main" val="0"/>
+              </a:ext>
+            </a:extLst>
+          </a:blip>
+          <a:stretch>
+            <a:fillRect/>
+          </a:stretch>
+        </p:blipFill>
+        <p:spPr>
+          <a:xfrm>
+            <a:off x="3048000" y="2286000"/>
+            <a:ext cx="3048000" cy="2286000"/>
+          </a:xfrm>
+          <a:prstGeom prst="rect">
+            <a:avLst/>
+          </a:prstGeom>
+        </p:spPr>
+      </p:pic>
     </p:spTree>
     <p:extLst>
       <p:ext uri="{BB962C8B-B14F-4D97-AF65-F5344CB8AC3E}">
@@ -10790,14 +10920,14 @@
           <p:nvPr>
             <p:extLst>
               <p:ext uri="{D42A27DB-BD31-4B8C-83A1-F6EECF244321}">
-                <p14:modId xmlns:p14="http://schemas.microsoft.com/office/powerpoint/2010/main" val="416092082"/>
+                <p14:modId xmlns:p14="http://schemas.microsoft.com/office/powerpoint/2010/main" val="3953871559"/>
               </p:ext>
             </p:extLst>
           </p:nvPr>
         </p:nvGraphicFramePr>
         <p:xfrm>
-          <a:off x="457200" y="1600200"/>
-          <a:ext cx="8150353" cy="5061177"/>
+          <a:off x="457200" y="1600201"/>
+          <a:ext cx="8150353" cy="4559537"/>
         </p:xfrm>
         <a:graphic>
           <a:graphicData uri="http://schemas.openxmlformats.org/drawingml/2006/table">
@@ -10806,21 +10936,21 @@
                 <a:tableStyleId>{00A15C55-8517-42AA-B614-E9B94910E393}</a:tableStyleId>
               </a:tblPr>
               <a:tblGrid>
-                <a:gridCol w="946448">
+                <a:gridCol w="648012">
                   <a:extLst>
                     <a:ext uri="{9D8B030D-6E8A-4147-A177-3AD203B41FA5}">
                       <a16:colId xmlns:a16="http://schemas.microsoft.com/office/drawing/2014/main" val="3026215981"/>
                     </a:ext>
                   </a:extLst>
                 </a:gridCol>
-                <a:gridCol w="1152128">
+                <a:gridCol w="829930">
                   <a:extLst>
                     <a:ext uri="{9D8B030D-6E8A-4147-A177-3AD203B41FA5}">
                       <a16:colId xmlns:a16="http://schemas.microsoft.com/office/drawing/2014/main" val="3107912970"/>
                     </a:ext>
                   </a:extLst>
                 </a:gridCol>
-                <a:gridCol w="6051777">
+                <a:gridCol w="6672411">
                   <a:extLst>
                     <a:ext uri="{9D8B030D-6E8A-4147-A177-3AD203B41FA5}">
                       <a16:colId xmlns:a16="http://schemas.microsoft.com/office/drawing/2014/main" val="1502471586"/>
@@ -10828,7 +10958,7 @@
                   </a:extLst>
                 </a:gridCol>
               </a:tblGrid>
-              <a:tr h="562353">
+              <a:tr h="345322">
                 <a:tc>
                   <a:txBody>
                     <a:bodyPr/>
@@ -10880,22 +11010,22 @@
                   </a:ext>
                 </a:extLst>
               </a:tr>
-              <a:tr h="562353">
-                <a:tc>
+              <a:tr h="282536">
+                <a:tc rowSpan="2">
                   <a:txBody>
                     <a:bodyPr/>
                     <a:lstStyle/>
                     <a:p>
                       <a:pPr algn="ctr" latinLnBrk="1"/>
                       <a:r>
-                        <a:rPr lang="en-US" altLang="ko-KR" sz="1600" dirty="0">
+                        <a:rPr lang="en-US" altLang="ko-KR" sz="1200" dirty="0">
                           <a:latin typeface="-윤고딕320" panose="02030504000101010101" pitchFamily="18" charset="-127"/>
                           <a:ea typeface="-윤고딕320" panose="02030504000101010101" pitchFamily="18" charset="-127"/>
                         </a:rPr>
                         <a:t>1</a:t>
                       </a:r>
                       <a:r>
-                        <a:rPr lang="ko-KR" altLang="en-US" sz="1600" dirty="0">
+                        <a:rPr lang="ko-KR" altLang="en-US" sz="1200" dirty="0">
                           <a:latin typeface="-윤고딕320" panose="02030504000101010101" pitchFamily="18" charset="-127"/>
                           <a:ea typeface="-윤고딕320" panose="02030504000101010101" pitchFamily="18" charset="-127"/>
                         </a:rPr>
@@ -10903,24 +11033,32 @@
                       </a:r>
                     </a:p>
                   </a:txBody>
-                  <a:tcPr anchor="ctr"/>
+                  <a:tcPr anchor="ctr">
+                    <a:solidFill>
+                      <a:srgbClr val="D8D3E0"/>
+                    </a:solidFill>
+                  </a:tcPr>
                 </a:tc>
-                <a:tc>
+                <a:tc rowSpan="2">
                   <a:txBody>
                     <a:bodyPr/>
                     <a:lstStyle/>
                     <a:p>
                       <a:pPr algn="ctr" latinLnBrk="1"/>
                       <a:r>
-                        <a:rPr lang="ko-KR" altLang="en-US" sz="1400" dirty="0">
+                        <a:rPr lang="ko-KR" altLang="en-US" sz="1300" dirty="0">
                           <a:latin typeface="-윤고딕310" panose="02030504000101010101" pitchFamily="18" charset="-127"/>
                           <a:ea typeface="-윤고딕310" panose="02030504000101010101" pitchFamily="18" charset="-127"/>
                         </a:rPr>
-                        <a:t>리소스</a:t>
+                        <a:t>리소스 수집</a:t>
                       </a:r>
                     </a:p>
                   </a:txBody>
-                  <a:tcPr anchor="ctr"/>
+                  <a:tcPr anchor="ctr">
+                    <a:solidFill>
+                      <a:srgbClr val="EDEAF0"/>
+                    </a:solidFill>
+                  </a:tcPr>
                 </a:tc>
                 <a:tc>
                   <a:txBody>
@@ -10945,30 +11083,40 @@
                         <a:defRPr/>
                       </a:pPr>
                       <a:r>
-                        <a:rPr lang="en-US" altLang="ko-KR" sz="1400" dirty="0">
+                        <a:rPr lang="ko-KR" altLang="en-US" sz="1200" dirty="0">
                           <a:latin typeface="-윤고딕310" panose="02030504000101010101" pitchFamily="18" charset="-127"/>
                           <a:ea typeface="-윤고딕310" panose="02030504000101010101" pitchFamily="18" charset="-127"/>
                         </a:rPr>
-                        <a:t>(100%)</a:t>
-                      </a:r>
-                      <a:r>
-                        <a:rPr lang="ko-KR" altLang="en-US" sz="1400" dirty="0">
+                        <a:t>계획</a:t>
+                      </a:r>
+                      <a:r>
+                        <a:rPr lang="en-US" altLang="ko-KR" sz="1200" dirty="0">
                           <a:latin typeface="-윤고딕310" panose="02030504000101010101" pitchFamily="18" charset="-127"/>
                           <a:ea typeface="-윤고딕310" panose="02030504000101010101" pitchFamily="18" charset="-127"/>
                         </a:rPr>
-                        <a:t> 필요한 그래픽 수집은 완료</a:t>
-                      </a:r>
-                      <a:r>
-                        <a:rPr lang="en-US" altLang="ko-KR" sz="1400" dirty="0">
+                        <a:t>: </a:t>
+                      </a:r>
+                      <a:r>
+                        <a:rPr lang="ko-KR" altLang="en-US" sz="1200" dirty="0">
                           <a:latin typeface="-윤고딕310" panose="02030504000101010101" pitchFamily="18" charset="-127"/>
                           <a:ea typeface="-윤고딕310" panose="02030504000101010101" pitchFamily="18" charset="-127"/>
                         </a:rPr>
-                        <a:t>.</a:t>
-                      </a:r>
-                      <a:endParaRPr lang="ko-KR" altLang="en-US" sz="1400" dirty="0">
-                        <a:latin typeface="-윤고딕310" panose="02030504000101010101" pitchFamily="18" charset="-127"/>
-                        <a:ea typeface="-윤고딕310" panose="02030504000101010101" pitchFamily="18" charset="-127"/>
-                      </a:endParaRPr>
+                        <a:t>그래픽 리소스 수집</a:t>
+                      </a:r>
+                      <a:r>
+                        <a:rPr lang="en-US" altLang="ko-KR" sz="1200" dirty="0">
+                          <a:latin typeface="-윤고딕310" panose="02030504000101010101" pitchFamily="18" charset="-127"/>
+                          <a:ea typeface="-윤고딕310" panose="02030504000101010101" pitchFamily="18" charset="-127"/>
+                        </a:rPr>
+                        <a:t>, </a:t>
+                      </a:r>
+                      <a:r>
+                        <a:rPr lang="ko-KR" altLang="en-US" sz="1200" dirty="0">
+                          <a:latin typeface="-윤고딕310" panose="02030504000101010101" pitchFamily="18" charset="-127"/>
+                          <a:ea typeface="-윤고딕310" panose="02030504000101010101" pitchFamily="18" charset="-127"/>
+                        </a:rPr>
+                        <a:t>필요한 객체 정리</a:t>
+                      </a:r>
                     </a:p>
                   </a:txBody>
                   <a:tcPr/>
@@ -10979,47 +11127,28 @@
                   </a:ext>
                 </a:extLst>
               </a:tr>
-              <a:tr h="562353">
-                <a:tc>
+              <a:tr h="282536">
+                <a:tc vMerge="1">
                   <a:txBody>
                     <a:bodyPr/>
                     <a:lstStyle/>
                     <a:p>
-                      <a:pPr algn="ctr" latinLnBrk="1"/>
-                      <a:r>
-                        <a:rPr lang="en-US" altLang="ko-KR" sz="1600" dirty="0">
-                          <a:latin typeface="-윤고딕320" panose="02030504000101010101" pitchFamily="18" charset="-127"/>
-                          <a:ea typeface="-윤고딕320" panose="02030504000101010101" pitchFamily="18" charset="-127"/>
-                        </a:rPr>
-                        <a:t>2</a:t>
-                      </a:r>
-                      <a:r>
-                        <a:rPr lang="ko-KR" altLang="en-US" sz="1600" dirty="0">
-                          <a:latin typeface="-윤고딕320" panose="02030504000101010101" pitchFamily="18" charset="-127"/>
-                          <a:ea typeface="-윤고딕320" panose="02030504000101010101" pitchFamily="18" charset="-127"/>
-                        </a:rPr>
-                        <a:t>주차</a:t>
-                      </a:r>
+                      <a:pPr latinLnBrk="1"/>
+                      <a:endParaRPr lang="ko-KR" altLang="en-US"/>
                     </a:p>
                   </a:txBody>
-                  <a:tcPr anchor="ctr"/>
+                  <a:tcPr/>
                 </a:tc>
-                <a:tc>
+                <a:tc vMerge="1">
                   <a:txBody>
                     <a:bodyPr/>
                     <a:lstStyle/>
                     <a:p>
-                      <a:pPr algn="ctr" latinLnBrk="1"/>
-                      <a:r>
-                        <a:rPr lang="ko-KR" altLang="en-US" sz="1400" dirty="0">
-                          <a:latin typeface="-윤고딕310" panose="02030504000101010101" pitchFamily="18" charset="-127"/>
-                          <a:ea typeface="-윤고딕310" panose="02030504000101010101" pitchFamily="18" charset="-127"/>
-                        </a:rPr>
-                        <a:t>중력과 충돌</a:t>
-                      </a:r>
+                      <a:pPr latinLnBrk="1"/>
+                      <a:endParaRPr lang="ko-KR" altLang="en-US"/>
                     </a:p>
                   </a:txBody>
-                  <a:tcPr anchor="ctr"/>
+                  <a:tcPr/>
                 </a:tc>
                 <a:tc>
                   <a:txBody>
@@ -11044,27 +11173,34 @@
                         <a:defRPr/>
                       </a:pPr>
                       <a:r>
-                        <a:rPr lang="en-US" altLang="ko-KR" sz="1400" dirty="0">
+                        <a:rPr lang="ko-KR" altLang="en-US" sz="1200" b="1" dirty="0">
                           <a:latin typeface="-윤고딕310" panose="02030504000101010101" pitchFamily="18" charset="-127"/>
                           <a:ea typeface="-윤고딕310" panose="02030504000101010101" pitchFamily="18" charset="-127"/>
                         </a:rPr>
-                        <a:t>(100%) </a:t>
-                      </a:r>
-                      <a:r>
-                        <a:rPr lang="ko-KR" altLang="en-US" sz="1400" dirty="0">
+                        <a:t>결과</a:t>
+                      </a:r>
+                      <a:r>
+                        <a:rPr lang="en-US" altLang="ko-KR" sz="1200" b="1" dirty="0">
                           <a:latin typeface="-윤고딕310" panose="02030504000101010101" pitchFamily="18" charset="-127"/>
                           <a:ea typeface="-윤고딕310" panose="02030504000101010101" pitchFamily="18" charset="-127"/>
                         </a:rPr>
-                        <a:t>바닥이나 천장에 끼는 일 없이 캐릭터가 완만하게 움직인다</a:t>
-                      </a:r>
-                      <a:r>
-                        <a:rPr lang="en-US" altLang="ko-KR" sz="1400" dirty="0">
+                        <a:t>: (100%) </a:t>
+                      </a:r>
+                      <a:r>
+                        <a:rPr lang="ko-KR" altLang="en-US" sz="1200" b="1" dirty="0">
                           <a:latin typeface="-윤고딕310" panose="02030504000101010101" pitchFamily="18" charset="-127"/>
                           <a:ea typeface="-윤고딕310" panose="02030504000101010101" pitchFamily="18" charset="-127"/>
                         </a:rPr>
+                        <a:t>리소스 수집 완료하였다</a:t>
+                      </a:r>
+                      <a:r>
+                        <a:rPr lang="en-US" altLang="ko-KR" sz="1200" b="1" dirty="0">
+                          <a:latin typeface="-윤고딕310" panose="02030504000101010101" pitchFamily="18" charset="-127"/>
+                          <a:ea typeface="-윤고딕310" panose="02030504000101010101" pitchFamily="18" charset="-127"/>
+                        </a:rPr>
                         <a:t>.</a:t>
                       </a:r>
-                      <a:endParaRPr lang="ko-KR" altLang="en-US" sz="1400" dirty="0">
+                      <a:endParaRPr lang="ko-KR" altLang="en-US" sz="1200" b="1" dirty="0">
                         <a:latin typeface="-윤고딕310" panose="02030504000101010101" pitchFamily="18" charset="-127"/>
                         <a:ea typeface="-윤고딕310" panose="02030504000101010101" pitchFamily="18" charset="-127"/>
                       </a:endParaRPr>
@@ -11074,26 +11210,26 @@
                 </a:tc>
                 <a:extLst>
                   <a:ext uri="{0D108BD9-81ED-4DB2-BD59-A6C34878D82A}">
-                    <a16:rowId xmlns:a16="http://schemas.microsoft.com/office/drawing/2014/main" val="1194299463"/>
+                    <a16:rowId xmlns:a16="http://schemas.microsoft.com/office/drawing/2014/main" val="1499503897"/>
                   </a:ext>
                 </a:extLst>
               </a:tr>
-              <a:tr h="562353">
-                <a:tc>
+              <a:tr h="282536">
+                <a:tc rowSpan="2">
                   <a:txBody>
                     <a:bodyPr/>
                     <a:lstStyle/>
                     <a:p>
                       <a:pPr algn="ctr" latinLnBrk="1"/>
                       <a:r>
-                        <a:rPr lang="en-US" altLang="ko-KR" sz="1600" dirty="0">
+                        <a:rPr lang="en-US" altLang="ko-KR" sz="1200" dirty="0">
                           <a:latin typeface="-윤고딕320" panose="02030504000101010101" pitchFamily="18" charset="-127"/>
                           <a:ea typeface="-윤고딕320" panose="02030504000101010101" pitchFamily="18" charset="-127"/>
                         </a:rPr>
-                        <a:t>3</a:t>
-                      </a:r>
-                      <a:r>
-                        <a:rPr lang="ko-KR" altLang="en-US" sz="1600" dirty="0">
+                        <a:t>2</a:t>
+                      </a:r>
+                      <a:r>
+                        <a:rPr lang="ko-KR" altLang="en-US" sz="1200" dirty="0">
                           <a:latin typeface="-윤고딕320" panose="02030504000101010101" pitchFamily="18" charset="-127"/>
                           <a:ea typeface="-윤고딕320" panose="02030504000101010101" pitchFamily="18" charset="-127"/>
                         </a:rPr>
@@ -11101,41 +11237,49 @@
                       </a:r>
                     </a:p>
                   </a:txBody>
-                  <a:tcPr anchor="ctr"/>
+                  <a:tcPr anchor="ctr">
+                    <a:solidFill>
+                      <a:srgbClr val="D8D3E0"/>
+                    </a:solidFill>
+                  </a:tcPr>
                 </a:tc>
-                <a:tc>
+                <a:tc rowSpan="2">
                   <a:txBody>
                     <a:bodyPr/>
                     <a:lstStyle/>
                     <a:p>
                       <a:pPr algn="ctr" latinLnBrk="1"/>
                       <a:r>
-                        <a:rPr lang="ko-KR" altLang="en-US" sz="1500" dirty="0">
+                        <a:rPr lang="ko-KR" altLang="en-US" sz="1000" dirty="0">
                           <a:latin typeface="-윤고딕310" panose="02030504000101010101" pitchFamily="18" charset="-127"/>
                           <a:ea typeface="-윤고딕310" panose="02030504000101010101" pitchFamily="18" charset="-127"/>
                         </a:rPr>
-                        <a:t>플레이어</a:t>
+                        <a:t>중력과 충돌</a:t>
                       </a:r>
                       <a:br>
-                        <a:rPr lang="en-US" altLang="ko-KR" sz="1500" dirty="0">
+                        <a:rPr lang="en-US" altLang="ko-KR" sz="1050" dirty="0">
                           <a:latin typeface="-윤고딕310" panose="02030504000101010101" pitchFamily="18" charset="-127"/>
                           <a:ea typeface="-윤고딕310" panose="02030504000101010101" pitchFamily="18" charset="-127"/>
                         </a:rPr>
                       </a:br>
                       <a:r>
-                        <a:rPr lang="ko-KR" altLang="en-US" sz="1500" dirty="0">
+                        <a:rPr lang="ko-KR" altLang="en-US" sz="1050" dirty="0">
                           <a:latin typeface="-윤고딕310" panose="02030504000101010101" pitchFamily="18" charset="-127"/>
                           <a:ea typeface="-윤고딕310" panose="02030504000101010101" pitchFamily="18" charset="-127"/>
                         </a:rPr>
-                        <a:t>객체</a:t>
-                      </a:r>
-                      <a:endParaRPr lang="en-US" altLang="ko-KR" sz="1500" dirty="0">
+                        <a:t>구현</a:t>
+                      </a:r>
+                      <a:endParaRPr lang="en-US" altLang="ko-KR" sz="1050" dirty="0">
                         <a:latin typeface="-윤고딕310" panose="02030504000101010101" pitchFamily="18" charset="-127"/>
                         <a:ea typeface="-윤고딕310" panose="02030504000101010101" pitchFamily="18" charset="-127"/>
                       </a:endParaRPr>
                     </a:p>
                   </a:txBody>
-                  <a:tcPr anchor="ctr"/>
+                  <a:tcPr anchor="ctr">
+                    <a:solidFill>
+                      <a:srgbClr val="EDEAF0"/>
+                    </a:solidFill>
+                  </a:tcPr>
                 </a:tc>
                 <a:tc>
                   <a:txBody>
@@ -11160,41 +11304,269 @@
                         <a:defRPr/>
                       </a:pPr>
                       <a:r>
-                        <a:rPr lang="en-US" altLang="ko-KR" sz="1400" dirty="0">
+                        <a:rPr lang="ko-KR" altLang="en-US" sz="1200" dirty="0">
                           <a:latin typeface="-윤고딕310" panose="02030504000101010101" pitchFamily="18" charset="-127"/>
                           <a:ea typeface="-윤고딕310" panose="02030504000101010101" pitchFamily="18" charset="-127"/>
                         </a:rPr>
-                        <a:t>(70%) </a:t>
-                      </a:r>
-                      <a:r>
-                        <a:rPr lang="ko-KR" altLang="en-US" sz="1400" dirty="0">
+                        <a:t>계획</a:t>
+                      </a:r>
+                      <a:r>
+                        <a:rPr lang="en-US" altLang="ko-KR" sz="1200" dirty="0">
                           <a:latin typeface="-윤고딕310" panose="02030504000101010101" pitchFamily="18" charset="-127"/>
                           <a:ea typeface="-윤고딕310" panose="02030504000101010101" pitchFamily="18" charset="-127"/>
                         </a:rPr>
-                        <a:t>스테이지 작업이 아직 완성이 안되어 스테이지 진행에 따른 능력 해금이 없다</a:t>
-                      </a:r>
-                      <a:r>
-                        <a:rPr lang="en-US" altLang="ko-KR" sz="1400" dirty="0">
+                        <a:t>: </a:t>
+                      </a:r>
+                      <a:r>
+                        <a:rPr lang="ko-KR" altLang="en-US" sz="1200" dirty="0">
                           <a:latin typeface="-윤고딕310" panose="02030504000101010101" pitchFamily="18" charset="-127"/>
                           <a:ea typeface="-윤고딕310" panose="02030504000101010101" pitchFamily="18" charset="-127"/>
                         </a:rPr>
-                        <a:t>. </a:t>
-                      </a:r>
-                      <a:r>
-                        <a:rPr lang="ko-KR" altLang="en-US" sz="1400" dirty="0">
+                        <a:t>중력의 구현</a:t>
+                      </a:r>
+                      <a:r>
+                        <a:rPr lang="en-US" altLang="ko-KR" sz="1200" dirty="0">
                           <a:latin typeface="-윤고딕310" panose="02030504000101010101" pitchFamily="18" charset="-127"/>
                           <a:ea typeface="-윤고딕310" panose="02030504000101010101" pitchFamily="18" charset="-127"/>
                         </a:rPr>
-                        <a:t>이동 부분은 완성되었다</a:t>
-                      </a:r>
-                      <a:r>
-                        <a:rPr lang="en-US" altLang="ko-KR" sz="1400" dirty="0">
+                        <a:t>, </a:t>
+                      </a:r>
+                      <a:r>
+                        <a:rPr lang="ko-KR" altLang="en-US" sz="1200" dirty="0">
                           <a:latin typeface="-윤고딕310" panose="02030504000101010101" pitchFamily="18" charset="-127"/>
                           <a:ea typeface="-윤고딕310" panose="02030504000101010101" pitchFamily="18" charset="-127"/>
                         </a:rPr>
+                        <a:t>블록과 객체의 충돌 구현</a:t>
+                      </a:r>
+                    </a:p>
+                  </a:txBody>
+                  <a:tcPr/>
+                </a:tc>
+                <a:extLst>
+                  <a:ext uri="{0D108BD9-81ED-4DB2-BD59-A6C34878D82A}">
+                    <a16:rowId xmlns:a16="http://schemas.microsoft.com/office/drawing/2014/main" val="1194299463"/>
+                  </a:ext>
+                </a:extLst>
+              </a:tr>
+              <a:tr h="376714">
+                <a:tc vMerge="1">
+                  <a:txBody>
+                    <a:bodyPr/>
+                    <a:lstStyle/>
+                    <a:p>
+                      <a:pPr latinLnBrk="1"/>
+                      <a:endParaRPr lang="ko-KR" altLang="en-US"/>
+                    </a:p>
+                  </a:txBody>
+                  <a:tcPr/>
+                </a:tc>
+                <a:tc vMerge="1">
+                  <a:txBody>
+                    <a:bodyPr/>
+                    <a:lstStyle/>
+                    <a:p>
+                      <a:pPr latinLnBrk="1"/>
+                      <a:endParaRPr lang="ko-KR" altLang="en-US"/>
+                    </a:p>
+                  </a:txBody>
+                  <a:tcPr/>
+                </a:tc>
+                <a:tc>
+                  <a:txBody>
+                    <a:bodyPr/>
+                    <a:lstStyle/>
+                    <a:p>
+                      <a:pPr marL="0" marR="0" lvl="0" indent="0" algn="l" defTabSz="914400" rtl="0" eaLnBrk="1" fontAlgn="auto" latinLnBrk="1" hangingPunct="1">
+                        <a:lnSpc>
+                          <a:spcPct val="100000"/>
+                        </a:lnSpc>
+                        <a:spcBef>
+                          <a:spcPts val="0"/>
+                        </a:spcBef>
+                        <a:spcAft>
+                          <a:spcPts val="0"/>
+                        </a:spcAft>
+                        <a:buClrTx/>
+                        <a:buSzTx/>
+                        <a:buFontTx/>
+                        <a:buNone/>
+                        <a:tabLst/>
+                        <a:defRPr/>
+                      </a:pPr>
+                      <a:r>
+                        <a:rPr lang="ko-KR" altLang="en-US" sz="1200" b="1" dirty="0">
+                          <a:latin typeface="-윤고딕310" panose="02030504000101010101" pitchFamily="18" charset="-127"/>
+                          <a:ea typeface="-윤고딕310" panose="02030504000101010101" pitchFamily="18" charset="-127"/>
+                        </a:rPr>
+                        <a:t>결과</a:t>
+                      </a:r>
+                      <a:r>
+                        <a:rPr lang="en-US" altLang="ko-KR" sz="1200" b="1" dirty="0">
+                          <a:latin typeface="-윤고딕310" panose="02030504000101010101" pitchFamily="18" charset="-127"/>
+                          <a:ea typeface="-윤고딕310" panose="02030504000101010101" pitchFamily="18" charset="-127"/>
+                        </a:rPr>
+                        <a:t>: (100%) </a:t>
+                      </a:r>
+                      <a:r>
+                        <a:rPr lang="ko-KR" altLang="en-US" sz="1200" b="1" dirty="0">
+                          <a:latin typeface="-윤고딕310" panose="02030504000101010101" pitchFamily="18" charset="-127"/>
+                          <a:ea typeface="-윤고딕310" panose="02030504000101010101" pitchFamily="18" charset="-127"/>
+                        </a:rPr>
+                        <a:t>바닥이나 천장에 끼는 일 없이 캐릭터가 완만하게 움직인다</a:t>
+                      </a:r>
+                      <a:r>
+                        <a:rPr lang="en-US" altLang="ko-KR" sz="1200" b="1" dirty="0">
+                          <a:latin typeface="-윤고딕310" panose="02030504000101010101" pitchFamily="18" charset="-127"/>
+                          <a:ea typeface="-윤고딕310" panose="02030504000101010101" pitchFamily="18" charset="-127"/>
+                        </a:rPr>
                         <a:t>.</a:t>
                       </a:r>
-                      <a:endParaRPr lang="ko-KR" altLang="en-US" sz="1400" dirty="0">
+                      <a:endParaRPr lang="ko-KR" altLang="en-US" sz="1200" b="1" dirty="0">
+                        <a:latin typeface="-윤고딕310" panose="02030504000101010101" pitchFamily="18" charset="-127"/>
+                        <a:ea typeface="-윤고딕310" panose="02030504000101010101" pitchFamily="18" charset="-127"/>
+                      </a:endParaRPr>
+                    </a:p>
+                  </a:txBody>
+                  <a:tcPr/>
+                </a:tc>
+                <a:extLst>
+                  <a:ext uri="{0D108BD9-81ED-4DB2-BD59-A6C34878D82A}">
+                    <a16:rowId xmlns:a16="http://schemas.microsoft.com/office/drawing/2014/main" val="956997806"/>
+                  </a:ext>
+                </a:extLst>
+              </a:tr>
+              <a:tr h="470893">
+                <a:tc>
+                  <a:txBody>
+                    <a:bodyPr/>
+                    <a:lstStyle/>
+                    <a:p>
+                      <a:pPr algn="ctr" latinLnBrk="1"/>
+                      <a:r>
+                        <a:rPr lang="en-US" altLang="ko-KR" sz="1200" dirty="0">
+                          <a:latin typeface="-윤고딕320" panose="02030504000101010101" pitchFamily="18" charset="-127"/>
+                          <a:ea typeface="-윤고딕320" panose="02030504000101010101" pitchFamily="18" charset="-127"/>
+                        </a:rPr>
+                        <a:t>3</a:t>
+                      </a:r>
+                      <a:r>
+                        <a:rPr lang="ko-KR" altLang="en-US" sz="1200" dirty="0">
+                          <a:latin typeface="-윤고딕320" panose="02030504000101010101" pitchFamily="18" charset="-127"/>
+                          <a:ea typeface="-윤고딕320" panose="02030504000101010101" pitchFamily="18" charset="-127"/>
+                        </a:rPr>
+                        <a:t>주차</a:t>
+                      </a:r>
+                    </a:p>
+                  </a:txBody>
+                  <a:tcPr anchor="ctr">
+                    <a:solidFill>
+                      <a:srgbClr val="D8D3E0"/>
+                    </a:solidFill>
+                  </a:tcPr>
+                </a:tc>
+                <a:tc>
+                  <a:txBody>
+                    <a:bodyPr/>
+                    <a:lstStyle/>
+                    <a:p>
+                      <a:pPr algn="ctr" latinLnBrk="1"/>
+                      <a:r>
+                        <a:rPr lang="ko-KR" altLang="en-US" sz="1300" dirty="0">
+                          <a:latin typeface="-윤고딕310" panose="02030504000101010101" pitchFamily="18" charset="-127"/>
+                          <a:ea typeface="-윤고딕310" panose="02030504000101010101" pitchFamily="18" charset="-127"/>
+                        </a:rPr>
+                        <a:t>플레이어</a:t>
+                      </a:r>
+                      <a:br>
+                        <a:rPr lang="en-US" altLang="ko-KR" sz="1300" dirty="0">
+                          <a:latin typeface="-윤고딕310" panose="02030504000101010101" pitchFamily="18" charset="-127"/>
+                          <a:ea typeface="-윤고딕310" panose="02030504000101010101" pitchFamily="18" charset="-127"/>
+                        </a:rPr>
+                      </a:br>
+                      <a:r>
+                        <a:rPr lang="ko-KR" altLang="en-US" sz="1300" dirty="0">
+                          <a:latin typeface="-윤고딕310" panose="02030504000101010101" pitchFamily="18" charset="-127"/>
+                          <a:ea typeface="-윤고딕310" panose="02030504000101010101" pitchFamily="18" charset="-127"/>
+                        </a:rPr>
+                        <a:t>객체</a:t>
+                      </a:r>
+                      <a:endParaRPr lang="en-US" altLang="ko-KR" sz="1300" dirty="0">
+                        <a:latin typeface="-윤고딕310" panose="02030504000101010101" pitchFamily="18" charset="-127"/>
+                        <a:ea typeface="-윤고딕310" panose="02030504000101010101" pitchFamily="18" charset="-127"/>
+                      </a:endParaRPr>
+                    </a:p>
+                  </a:txBody>
+                  <a:tcPr anchor="ctr">
+                    <a:solidFill>
+                      <a:srgbClr val="EDEAF0"/>
+                    </a:solidFill>
+                  </a:tcPr>
+                </a:tc>
+                <a:tc>
+                  <a:txBody>
+                    <a:bodyPr/>
+                    <a:lstStyle/>
+                    <a:p>
+                      <a:pPr marL="0" marR="0" lvl="0" indent="0" algn="l" defTabSz="914400" rtl="0" eaLnBrk="1" fontAlgn="auto" latinLnBrk="1" hangingPunct="1">
+                        <a:lnSpc>
+                          <a:spcPct val="100000"/>
+                        </a:lnSpc>
+                        <a:spcBef>
+                          <a:spcPts val="0"/>
+                        </a:spcBef>
+                        <a:spcAft>
+                          <a:spcPts val="0"/>
+                        </a:spcAft>
+                        <a:buClrTx/>
+                        <a:buSzTx/>
+                        <a:buFontTx/>
+                        <a:buNone/>
+                        <a:tabLst/>
+                        <a:defRPr/>
+                      </a:pPr>
+                      <a:r>
+                        <a:rPr lang="ko-KR" altLang="en-US" sz="1200" b="1" dirty="0">
+                          <a:latin typeface="-윤고딕310" panose="02030504000101010101" pitchFamily="18" charset="-127"/>
+                          <a:ea typeface="-윤고딕310" panose="02030504000101010101" pitchFamily="18" charset="-127"/>
+                        </a:rPr>
+                        <a:t>결과 </a:t>
+                      </a:r>
+                      <a:r>
+                        <a:rPr lang="en-US" altLang="ko-KR" sz="1200" b="1" dirty="0">
+                          <a:latin typeface="-윤고딕310" panose="02030504000101010101" pitchFamily="18" charset="-127"/>
+                          <a:ea typeface="-윤고딕310" panose="02030504000101010101" pitchFamily="18" charset="-127"/>
+                        </a:rPr>
+                        <a:t>: (70%) </a:t>
+                      </a:r>
+                      <a:r>
+                        <a:rPr lang="ko-KR" altLang="en-US" sz="1200" b="1" dirty="0">
+                          <a:latin typeface="-윤고딕310" panose="02030504000101010101" pitchFamily="18" charset="-127"/>
+                          <a:ea typeface="-윤고딕310" panose="02030504000101010101" pitchFamily="18" charset="-127"/>
+                        </a:rPr>
+                        <a:t>스테이지 작업이 아직 완성이 안되어 스테이지 진행에 따른 능력 해금이 없다</a:t>
+                      </a:r>
+                      <a:r>
+                        <a:rPr lang="en-US" altLang="ko-KR" sz="1200" b="1" dirty="0">
+                          <a:latin typeface="-윤고딕310" panose="02030504000101010101" pitchFamily="18" charset="-127"/>
+                          <a:ea typeface="-윤고딕310" panose="02030504000101010101" pitchFamily="18" charset="-127"/>
+                        </a:rPr>
+                        <a:t>. </a:t>
+                      </a:r>
+                      <a:r>
+                        <a:rPr lang="ko-KR" altLang="en-US" sz="1200" b="1" dirty="0">
+                          <a:latin typeface="-윤고딕310" panose="02030504000101010101" pitchFamily="18" charset="-127"/>
+                          <a:ea typeface="-윤고딕310" panose="02030504000101010101" pitchFamily="18" charset="-127"/>
+                        </a:rPr>
+                        <a:t>이동 부분은 완성되었다</a:t>
+                      </a:r>
+                      <a:r>
+                        <a:rPr lang="en-US" altLang="ko-KR" sz="1200" b="1" dirty="0">
+                          <a:latin typeface="-윤고딕310" panose="02030504000101010101" pitchFamily="18" charset="-127"/>
+                          <a:ea typeface="-윤고딕310" panose="02030504000101010101" pitchFamily="18" charset="-127"/>
+                        </a:rPr>
+                        <a:t>.</a:t>
+                      </a:r>
+                      <a:endParaRPr lang="ko-KR" altLang="en-US" sz="1200" b="1" dirty="0">
                         <a:latin typeface="-윤고딕310" panose="02030504000101010101" pitchFamily="18" charset="-127"/>
                         <a:ea typeface="-윤고딕310" panose="02030504000101010101" pitchFamily="18" charset="-127"/>
                       </a:endParaRPr>
@@ -11208,22 +11580,22 @@
                   </a:ext>
                 </a:extLst>
               </a:tr>
-              <a:tr h="562353">
-                <a:tc>
+              <a:tr h="282536">
+                <a:tc rowSpan="2">
                   <a:txBody>
                     <a:bodyPr/>
                     <a:lstStyle/>
                     <a:p>
                       <a:pPr algn="ctr" latinLnBrk="1"/>
                       <a:r>
-                        <a:rPr lang="en-US" altLang="ko-KR" sz="1600" dirty="0">
+                        <a:rPr lang="en-US" altLang="ko-KR" sz="1200" dirty="0">
                           <a:latin typeface="-윤고딕320" panose="02030504000101010101" pitchFamily="18" charset="-127"/>
                           <a:ea typeface="-윤고딕320" panose="02030504000101010101" pitchFamily="18" charset="-127"/>
                         </a:rPr>
                         <a:t>4</a:t>
                       </a:r>
                       <a:r>
-                        <a:rPr lang="ko-KR" altLang="en-US" sz="1600" dirty="0">
+                        <a:rPr lang="ko-KR" altLang="en-US" sz="1200" dirty="0">
                           <a:latin typeface="-윤고딕320" panose="02030504000101010101" pitchFamily="18" charset="-127"/>
                           <a:ea typeface="-윤고딕320" panose="02030504000101010101" pitchFamily="18" charset="-127"/>
                         </a:rPr>
@@ -11231,29 +11603,33 @@
                       </a:r>
                     </a:p>
                   </a:txBody>
-                  <a:tcPr anchor="ctr"/>
+                  <a:tcPr anchor="ctr">
+                    <a:solidFill>
+                      <a:srgbClr val="D8D3E0"/>
+                    </a:solidFill>
+                  </a:tcPr>
                 </a:tc>
-                <a:tc>
+                <a:tc rowSpan="2">
                   <a:txBody>
                     <a:bodyPr/>
                     <a:lstStyle/>
                     <a:p>
                       <a:pPr algn="ctr" latinLnBrk="1"/>
                       <a:r>
-                        <a:rPr lang="en-US" altLang="ko-KR" sz="1400" dirty="0">
+                        <a:rPr lang="en-US" altLang="ko-KR" sz="1300" dirty="0">
                           <a:latin typeface="-윤고딕310" panose="02030504000101010101" pitchFamily="18" charset="-127"/>
                           <a:ea typeface="-윤고딕310" panose="02030504000101010101" pitchFamily="18" charset="-127"/>
                         </a:rPr>
                         <a:t>NPC</a:t>
                       </a:r>
                       <a:r>
-                        <a:rPr lang="ko-KR" altLang="en-US" sz="1400" dirty="0">
+                        <a:rPr lang="ko-KR" altLang="en-US" sz="1300" dirty="0">
                           <a:latin typeface="-윤고딕310" panose="02030504000101010101" pitchFamily="18" charset="-127"/>
                           <a:ea typeface="-윤고딕310" panose="02030504000101010101" pitchFamily="18" charset="-127"/>
                         </a:rPr>
                         <a:t>와</a:t>
                       </a:r>
-                      <a:endParaRPr lang="en-US" altLang="ko-KR" sz="1400" dirty="0">
+                      <a:endParaRPr lang="en-US" altLang="ko-KR" sz="1300" dirty="0">
                         <a:latin typeface="-윤고딕310" panose="02030504000101010101" pitchFamily="18" charset="-127"/>
                         <a:ea typeface="-윤고딕310" panose="02030504000101010101" pitchFamily="18" charset="-127"/>
                       </a:endParaRPr>
@@ -11261,7 +11637,7 @@
                     <a:p>
                       <a:pPr algn="ctr" latinLnBrk="1"/>
                       <a:r>
-                        <a:rPr lang="ko-KR" altLang="en-US" sz="1400" dirty="0">
+                        <a:rPr lang="ko-KR" altLang="en-US" sz="1300" dirty="0">
                           <a:latin typeface="-윤고딕310" panose="02030504000101010101" pitchFamily="18" charset="-127"/>
                           <a:ea typeface="-윤고딕310" panose="02030504000101010101" pitchFamily="18" charset="-127"/>
                         </a:rPr>
@@ -11269,7 +11645,11 @@
                       </a:r>
                     </a:p>
                   </a:txBody>
-                  <a:tcPr anchor="ctr"/>
+                  <a:tcPr anchor="ctr">
+                    <a:solidFill>
+                      <a:srgbClr val="EDEAF0"/>
+                    </a:solidFill>
+                  </a:tcPr>
                 </a:tc>
                 <a:tc>
                   <a:txBody>
@@ -11278,100 +11658,68 @@
                     <a:p>
                       <a:pPr latinLnBrk="1"/>
                       <a:r>
-                        <a:rPr lang="en-US" altLang="ko-KR" sz="1400" dirty="0">
+                        <a:rPr lang="ko-KR" altLang="en-US" sz="1200" dirty="0">
                           <a:latin typeface="-윤고딕310" panose="02030504000101010101" pitchFamily="18" charset="-127"/>
                           <a:ea typeface="-윤고딕310" panose="02030504000101010101" pitchFamily="18" charset="-127"/>
                         </a:rPr>
-                        <a:t>(70%) </a:t>
-                      </a:r>
-                      <a:r>
-                        <a:rPr lang="ko-KR" altLang="en-US" sz="1400" dirty="0">
+                        <a:t>계획</a:t>
+                      </a:r>
+                      <a:r>
+                        <a:rPr lang="en-US" altLang="ko-KR" sz="1200" dirty="0">
                           <a:latin typeface="-윤고딕310" panose="02030504000101010101" pitchFamily="18" charset="-127"/>
                           <a:ea typeface="-윤고딕310" panose="02030504000101010101" pitchFamily="18" charset="-127"/>
                         </a:rPr>
-                        <a:t>객체끼리 충돌</a:t>
-                      </a:r>
-                      <a:r>
-                        <a:rPr lang="en-US" altLang="ko-KR" sz="1400" dirty="0">
+                        <a:t>: </a:t>
+                      </a:r>
+                      <a:r>
+                        <a:rPr lang="ko-KR" altLang="en-US" sz="1200" dirty="0">
                           <a:latin typeface="-윤고딕310" panose="02030504000101010101" pitchFamily="18" charset="-127"/>
                           <a:ea typeface="-윤고딕310" panose="02030504000101010101" pitchFamily="18" charset="-127"/>
                         </a:rPr>
-                        <a:t>, </a:t>
-                      </a:r>
-                      <a:r>
-                        <a:rPr lang="ko-KR" altLang="en-US" sz="1400" dirty="0">
+                        <a:t>객체끼리 상호 작용</a:t>
+                      </a:r>
+                      <a:r>
+                        <a:rPr lang="en-US" altLang="ko-KR" sz="1200" dirty="0">
                           <a:latin typeface="-윤고딕310" panose="02030504000101010101" pitchFamily="18" charset="-127"/>
                           <a:ea typeface="-윤고딕310" panose="02030504000101010101" pitchFamily="18" charset="-127"/>
                         </a:rPr>
-                        <a:t>공격</a:t>
-                      </a:r>
-                      <a:r>
-                        <a:rPr lang="en-US" altLang="ko-KR" sz="1400" dirty="0">
+                        <a:t>. </a:t>
+                      </a:r>
+                      <a:r>
+                        <a:rPr lang="ko-KR" altLang="en-US" sz="1200" dirty="0">
                           <a:latin typeface="-윤고딕310" panose="02030504000101010101" pitchFamily="18" charset="-127"/>
                           <a:ea typeface="-윤고딕310" panose="02030504000101010101" pitchFamily="18" charset="-127"/>
                         </a:rPr>
-                        <a:t>, </a:t>
-                      </a:r>
-                      <a:r>
-                        <a:rPr lang="ko-KR" altLang="en-US" sz="1400" dirty="0">
+                        <a:t>대기</a:t>
+                      </a:r>
+                      <a:r>
+                        <a:rPr lang="en-US" altLang="ko-KR" sz="1200" dirty="0">
                           <a:latin typeface="-윤고딕310" panose="02030504000101010101" pitchFamily="18" charset="-127"/>
                           <a:ea typeface="-윤고딕310" panose="02030504000101010101" pitchFamily="18" charset="-127"/>
                         </a:rPr>
-                        <a:t>객체 검색</a:t>
-                      </a:r>
-                      <a:r>
-                        <a:rPr lang="en-US" altLang="ko-KR" sz="1400" dirty="0">
+                        <a:t>, </a:t>
+                      </a:r>
+                      <a:r>
+                        <a:rPr lang="ko-KR" altLang="en-US" sz="1200" dirty="0">
                           <a:latin typeface="-윤고딕310" panose="02030504000101010101" pitchFamily="18" charset="-127"/>
                           <a:ea typeface="-윤고딕310" panose="02030504000101010101" pitchFamily="18" charset="-127"/>
                         </a:rPr>
-                        <a:t>. </a:t>
-                      </a:r>
-                      <a:r>
-                        <a:rPr lang="ko-KR" altLang="en-US" sz="1400" dirty="0">
+                        <a:t>좌우 이동</a:t>
+                      </a:r>
+                      <a:r>
+                        <a:rPr lang="en-US" altLang="ko-KR" sz="1200" dirty="0">
                           <a:latin typeface="-윤고딕310" panose="02030504000101010101" pitchFamily="18" charset="-127"/>
                           <a:ea typeface="-윤고딕310" panose="02030504000101010101" pitchFamily="18" charset="-127"/>
                         </a:rPr>
-                        <a:t>모든 적들을 클래스로 구현해 놓지는 않았지만 대기</a:t>
-                      </a:r>
-                      <a:r>
-                        <a:rPr lang="en-US" altLang="ko-KR" sz="1400" dirty="0">
+                        <a:t>, </a:t>
+                      </a:r>
+                      <a:r>
+                        <a:rPr lang="ko-KR" altLang="en-US" sz="1200" dirty="0">
                           <a:latin typeface="-윤고딕310" panose="02030504000101010101" pitchFamily="18" charset="-127"/>
                           <a:ea typeface="-윤고딕310" panose="02030504000101010101" pitchFamily="18" charset="-127"/>
                         </a:rPr>
-                        <a:t>, </a:t>
-                      </a:r>
-                      <a:r>
-                        <a:rPr lang="ko-KR" altLang="en-US" sz="1400" dirty="0">
-                          <a:latin typeface="-윤고딕310" panose="02030504000101010101" pitchFamily="18" charset="-127"/>
-                          <a:ea typeface="-윤고딕310" panose="02030504000101010101" pitchFamily="18" charset="-127"/>
-                        </a:rPr>
-                        <a:t>이동</a:t>
-                      </a:r>
-                      <a:r>
-                        <a:rPr lang="en-US" altLang="ko-KR" sz="1400" dirty="0">
-                          <a:latin typeface="-윤고딕310" panose="02030504000101010101" pitchFamily="18" charset="-127"/>
-                          <a:ea typeface="-윤고딕310" panose="02030504000101010101" pitchFamily="18" charset="-127"/>
-                        </a:rPr>
-                        <a:t>, </a:t>
-                      </a:r>
-                      <a:r>
-                        <a:rPr lang="ko-KR" altLang="en-US" sz="1400" dirty="0">
-                          <a:latin typeface="-윤고딕310" panose="02030504000101010101" pitchFamily="18" charset="-127"/>
-                          <a:ea typeface="-윤고딕310" panose="02030504000101010101" pitchFamily="18" charset="-127"/>
-                        </a:rPr>
-                        <a:t>추격 인공지능의 틀은 완성되었다</a:t>
-                      </a:r>
-                      <a:r>
-                        <a:rPr lang="en-US" altLang="ko-KR" sz="1400" dirty="0">
-                          <a:latin typeface="-윤고딕310" panose="02030504000101010101" pitchFamily="18" charset="-127"/>
-                          <a:ea typeface="-윤고딕310" panose="02030504000101010101" pitchFamily="18" charset="-127"/>
-                        </a:rPr>
-                        <a:t>.</a:t>
-                      </a:r>
-                      <a:endParaRPr lang="ko-KR" altLang="en-US" sz="1400" dirty="0">
-                        <a:latin typeface="-윤고딕310" panose="02030504000101010101" pitchFamily="18" charset="-127"/>
-                        <a:ea typeface="-윤고딕310" panose="02030504000101010101" pitchFamily="18" charset="-127"/>
-                      </a:endParaRPr>
+                        <a:t>추격의 인공지능</a:t>
+                      </a:r>
                     </a:p>
                   </a:txBody>
                   <a:tcPr/>
@@ -11382,31 +11730,136 @@
                   </a:ext>
                 </a:extLst>
               </a:tr>
-              <a:tr h="562353">
+              <a:tr h="282536">
+                <a:tc vMerge="1">
+                  <a:txBody>
+                    <a:bodyPr/>
+                    <a:lstStyle/>
+                    <a:p>
+                      <a:pPr latinLnBrk="1"/>
+                      <a:endParaRPr lang="ko-KR" altLang="en-US"/>
+                    </a:p>
+                  </a:txBody>
+                  <a:tcPr/>
+                </a:tc>
+                <a:tc vMerge="1">
+                  <a:txBody>
+                    <a:bodyPr/>
+                    <a:lstStyle/>
+                    <a:p>
+                      <a:pPr latinLnBrk="1"/>
+                      <a:endParaRPr lang="ko-KR" altLang="en-US"/>
+                    </a:p>
+                  </a:txBody>
+                  <a:tcPr/>
+                </a:tc>
                 <a:tc>
                   <a:txBody>
                     <a:bodyPr/>
                     <a:lstStyle/>
                     <a:p>
-                      <a:pPr algn="ctr" latinLnBrk="1"/>
-                      <a:r>
-                        <a:rPr lang="en-US" altLang="ko-KR" sz="1600" dirty="0">
-                          <a:latin typeface="-윤고딕320" panose="02030504000101010101" pitchFamily="18" charset="-127"/>
-                          <a:ea typeface="-윤고딕320" panose="02030504000101010101" pitchFamily="18" charset="-127"/>
-                        </a:rPr>
-                        <a:t>5</a:t>
-                      </a:r>
-                      <a:r>
-                        <a:rPr lang="ko-KR" altLang="en-US" sz="1600" dirty="0">
-                          <a:latin typeface="-윤고딕320" panose="02030504000101010101" pitchFamily="18" charset="-127"/>
-                          <a:ea typeface="-윤고딕320" panose="02030504000101010101" pitchFamily="18" charset="-127"/>
-                        </a:rPr>
-                        <a:t>주차</a:t>
-                      </a:r>
+                      <a:pPr marL="0" marR="0" lvl="0" indent="0" algn="l" defTabSz="914400" rtl="0" eaLnBrk="1" fontAlgn="auto" latinLnBrk="1" hangingPunct="1">
+                        <a:lnSpc>
+                          <a:spcPct val="100000"/>
+                        </a:lnSpc>
+                        <a:spcBef>
+                          <a:spcPts val="0"/>
+                        </a:spcBef>
+                        <a:spcAft>
+                          <a:spcPts val="0"/>
+                        </a:spcAft>
+                        <a:buClrTx/>
+                        <a:buSzTx/>
+                        <a:buFontTx/>
+                        <a:buNone/>
+                        <a:tabLst/>
+                        <a:defRPr/>
+                      </a:pPr>
+                      <a:r>
+                        <a:rPr lang="ko-KR" altLang="en-US" sz="1200" b="1" dirty="0">
+                          <a:latin typeface="-윤고딕310" panose="02030504000101010101" pitchFamily="18" charset="-127"/>
+                          <a:ea typeface="-윤고딕310" panose="02030504000101010101" pitchFamily="18" charset="-127"/>
+                        </a:rPr>
+                        <a:t>결과</a:t>
+                      </a:r>
+                      <a:r>
+                        <a:rPr lang="en-US" altLang="ko-KR" sz="1200" b="1" dirty="0">
+                          <a:latin typeface="-윤고딕310" panose="02030504000101010101" pitchFamily="18" charset="-127"/>
+                          <a:ea typeface="-윤고딕310" panose="02030504000101010101" pitchFamily="18" charset="-127"/>
+                        </a:rPr>
+                        <a:t>: (70%) </a:t>
+                      </a:r>
+                      <a:r>
+                        <a:rPr lang="ko-KR" altLang="en-US" sz="1200" b="1" dirty="0">
+                          <a:latin typeface="-윤고딕310" panose="02030504000101010101" pitchFamily="18" charset="-127"/>
+                          <a:ea typeface="-윤고딕310" panose="02030504000101010101" pitchFamily="18" charset="-127"/>
+                        </a:rPr>
+                        <a:t>객체끼리 충돌</a:t>
+                      </a:r>
+                      <a:r>
+                        <a:rPr lang="en-US" altLang="ko-KR" sz="1200" b="1" dirty="0">
+                          <a:latin typeface="-윤고딕310" panose="02030504000101010101" pitchFamily="18" charset="-127"/>
+                          <a:ea typeface="-윤고딕310" panose="02030504000101010101" pitchFamily="18" charset="-127"/>
+                        </a:rPr>
+                        <a:t>, </a:t>
+                      </a:r>
+                      <a:r>
+                        <a:rPr lang="ko-KR" altLang="en-US" sz="1200" b="1" dirty="0">
+                          <a:latin typeface="-윤고딕310" panose="02030504000101010101" pitchFamily="18" charset="-127"/>
+                          <a:ea typeface="-윤고딕310" panose="02030504000101010101" pitchFamily="18" charset="-127"/>
+                        </a:rPr>
+                        <a:t>공격</a:t>
+                      </a:r>
+                      <a:r>
+                        <a:rPr lang="en-US" altLang="ko-KR" sz="1200" b="1" dirty="0">
+                          <a:latin typeface="-윤고딕310" panose="02030504000101010101" pitchFamily="18" charset="-127"/>
+                          <a:ea typeface="-윤고딕310" panose="02030504000101010101" pitchFamily="18" charset="-127"/>
+                        </a:rPr>
+                        <a:t>, </a:t>
+                      </a:r>
+                      <a:r>
+                        <a:rPr lang="ko-KR" altLang="en-US" sz="1200" b="1" dirty="0">
+                          <a:latin typeface="-윤고딕310" panose="02030504000101010101" pitchFamily="18" charset="-127"/>
+                          <a:ea typeface="-윤고딕310" panose="02030504000101010101" pitchFamily="18" charset="-127"/>
+                        </a:rPr>
+                        <a:t>객체 검색 기능</a:t>
+                      </a:r>
+                      <a:r>
+                        <a:rPr lang="en-US" altLang="ko-KR" sz="1200" b="1" dirty="0">
+                          <a:latin typeface="-윤고딕310" panose="02030504000101010101" pitchFamily="18" charset="-127"/>
+                          <a:ea typeface="-윤고딕310" panose="02030504000101010101" pitchFamily="18" charset="-127"/>
+                        </a:rPr>
+                        <a:t>.</a:t>
+                      </a:r>
+                      <a:r>
+                        <a:rPr lang="ko-KR" altLang="en-US" sz="1200" b="1" dirty="0">
+                          <a:latin typeface="-윤고딕310" panose="02030504000101010101" pitchFamily="18" charset="-127"/>
+                          <a:ea typeface="-윤고딕310" panose="02030504000101010101" pitchFamily="18" charset="-127"/>
+                        </a:rPr>
+                        <a:t> 인공지능의 틀은 완성되었다</a:t>
+                      </a:r>
+                      <a:r>
+                        <a:rPr lang="en-US" altLang="ko-KR" sz="1200" b="1" dirty="0">
+                          <a:latin typeface="-윤고딕310" panose="02030504000101010101" pitchFamily="18" charset="-127"/>
+                          <a:ea typeface="-윤고딕310" panose="02030504000101010101" pitchFamily="18" charset="-127"/>
+                        </a:rPr>
+                        <a:t>.</a:t>
+                      </a:r>
+                      <a:endParaRPr lang="ko-KR" altLang="en-US" sz="1200" b="1" dirty="0">
+                        <a:latin typeface="-윤고딕310" panose="02030504000101010101" pitchFamily="18" charset="-127"/>
+                        <a:ea typeface="-윤고딕310" panose="02030504000101010101" pitchFamily="18" charset="-127"/>
+                      </a:endParaRPr>
                     </a:p>
                   </a:txBody>
-                  <a:tcPr anchor="ctr"/>
+                  <a:tcPr/>
                 </a:tc>
+                <a:extLst>
+                  <a:ext uri="{0D108BD9-81ED-4DB2-BD59-A6C34878D82A}">
+                    <a16:rowId xmlns:a16="http://schemas.microsoft.com/office/drawing/2014/main" val="2716119248"/>
+                  </a:ext>
+                </a:extLst>
+              </a:tr>
+              <a:tr h="282536">
                 <a:tc rowSpan="2">
                   <a:txBody>
                     <a:bodyPr/>
@@ -11414,21 +11867,49 @@
                     <a:p>
                       <a:pPr algn="ctr" latinLnBrk="1"/>
                       <a:r>
-                        <a:rPr lang="ko-KR" altLang="en-US" sz="1400" dirty="0">
+                        <a:rPr lang="en-US" altLang="ko-KR" sz="1200" dirty="0">
+                          <a:latin typeface="-윤고딕320" panose="02030504000101010101" pitchFamily="18" charset="-127"/>
+                          <a:ea typeface="-윤고딕320" panose="02030504000101010101" pitchFamily="18" charset="-127"/>
+                        </a:rPr>
+                        <a:t>5</a:t>
+                      </a:r>
+                      <a:r>
+                        <a:rPr lang="ko-KR" altLang="en-US" sz="1200" dirty="0">
+                          <a:latin typeface="-윤고딕320" panose="02030504000101010101" pitchFamily="18" charset="-127"/>
+                          <a:ea typeface="-윤고딕320" panose="02030504000101010101" pitchFamily="18" charset="-127"/>
+                        </a:rPr>
+                        <a:t>주차</a:t>
+                      </a:r>
+                    </a:p>
+                  </a:txBody>
+                  <a:tcPr anchor="ctr">
+                    <a:solidFill>
+                      <a:srgbClr val="D8D3E0"/>
+                    </a:solidFill>
+                  </a:tcPr>
+                </a:tc>
+                <a:tc rowSpan="3">
+                  <a:txBody>
+                    <a:bodyPr/>
+                    <a:lstStyle/>
+                    <a:p>
+                      <a:pPr algn="ctr" latinLnBrk="1"/>
+                      <a:r>
+                        <a:rPr lang="ko-KR" altLang="en-US" sz="1200" dirty="0">
                           <a:latin typeface="-윤고딕310" panose="02030504000101010101" pitchFamily="18" charset="-127"/>
                           <a:ea typeface="-윤고딕310" panose="02030504000101010101" pitchFamily="18" charset="-127"/>
                         </a:rPr>
                         <a:t>지형 생성</a:t>
                       </a:r>
                       <a:r>
-                        <a:rPr lang="en-US" altLang="ko-KR" sz="1400" dirty="0">
+                        <a:rPr lang="en-US" altLang="ko-KR" sz="1200" dirty="0">
                           <a:latin typeface="-윤고딕310" panose="02030504000101010101" pitchFamily="18" charset="-127"/>
                           <a:ea typeface="-윤고딕310" panose="02030504000101010101" pitchFamily="18" charset="-127"/>
                         </a:rPr>
                         <a:t>, </a:t>
                       </a:r>
                       <a:r>
-                        <a:rPr lang="ko-KR" altLang="en-US" sz="1400" dirty="0">
+                        <a:rPr lang="ko-KR" altLang="en-US" sz="1200" dirty="0">
                           <a:latin typeface="-윤고딕310" panose="02030504000101010101" pitchFamily="18" charset="-127"/>
                           <a:ea typeface="-윤고딕310" panose="02030504000101010101" pitchFamily="18" charset="-127"/>
                         </a:rPr>
@@ -11436,84 +11917,53 @@
                       </a:r>
                     </a:p>
                   </a:txBody>
-                  <a:tcPr anchor="ctr"/>
+                  <a:tcPr anchor="ctr">
+                    <a:solidFill>
+                      <a:srgbClr val="EDEAF0"/>
+                    </a:solidFill>
+                  </a:tcPr>
                 </a:tc>
-                <a:tc rowSpan="2">
+                <a:tc>
                   <a:txBody>
                     <a:bodyPr/>
                     <a:lstStyle/>
                     <a:p>
                       <a:pPr latinLnBrk="1"/>
                       <a:r>
-                        <a:rPr lang="en-US" altLang="ko-KR" sz="1400" dirty="0">
+                        <a:rPr lang="ko-KR" altLang="en-US" sz="1200" dirty="0">
                           <a:latin typeface="-윤고딕310" panose="02030504000101010101" pitchFamily="18" charset="-127"/>
                           <a:ea typeface="-윤고딕310" panose="02030504000101010101" pitchFamily="18" charset="-127"/>
                         </a:rPr>
-                        <a:t>(50%) </a:t>
-                      </a:r>
-                      <a:r>
-                        <a:rPr lang="ko-KR" altLang="en-US" sz="1400" dirty="0">
+                        <a:t>계획</a:t>
+                      </a:r>
+                      <a:r>
+                        <a:rPr lang="en-US" altLang="ko-KR" sz="1200" dirty="0">
                           <a:latin typeface="-윤고딕310" panose="02030504000101010101" pitchFamily="18" charset="-127"/>
                           <a:ea typeface="-윤고딕310" panose="02030504000101010101" pitchFamily="18" charset="-127"/>
                         </a:rPr>
-                        <a:t>지금은 문자열에서 맵 정보를 읽어오는데 </a:t>
-                      </a:r>
-                      <a:r>
-                        <a:rPr lang="en-US" altLang="ko-KR" sz="1400" dirty="0">
+                        <a:t>: </a:t>
+                      </a:r>
+                      <a:r>
+                        <a:rPr lang="ko-KR" altLang="en-US" sz="1200" dirty="0">
                           <a:latin typeface="-윤고딕310" panose="02030504000101010101" pitchFamily="18" charset="-127"/>
                           <a:ea typeface="-윤고딕310" panose="02030504000101010101" pitchFamily="18" charset="-127"/>
                         </a:rPr>
-                        <a:t>json </a:t>
-                      </a:r>
-                      <a:r>
-                        <a:rPr lang="ko-KR" altLang="en-US" sz="1400" dirty="0">
+                        <a:t>테마 종류 별 맵 생성</a:t>
+                      </a:r>
+                      <a:r>
+                        <a:rPr lang="en-US" altLang="ko-KR" sz="1200" dirty="0">
                           <a:latin typeface="-윤고딕310" panose="02030504000101010101" pitchFamily="18" charset="-127"/>
                           <a:ea typeface="-윤고딕310" panose="02030504000101010101" pitchFamily="18" charset="-127"/>
                         </a:rPr>
-                        <a:t>으로 교체하면 더 유연하게 스테이지를 생성할 수 있을 것이다</a:t>
-                      </a:r>
-                      <a:r>
-                        <a:rPr lang="en-US" altLang="ko-KR" sz="1400" dirty="0">
+                        <a:t>, </a:t>
+                      </a:r>
+                      <a:r>
+                        <a:rPr lang="ko-KR" altLang="en-US" sz="1200" dirty="0">
                           <a:latin typeface="-윤고딕310" panose="02030504000101010101" pitchFamily="18" charset="-127"/>
                           <a:ea typeface="-윤고딕310" panose="02030504000101010101" pitchFamily="18" charset="-127"/>
                         </a:rPr>
-                        <a:t>.</a:t>
-                      </a:r>
-                    </a:p>
-                    <a:p>
-                      <a:pPr latinLnBrk="1"/>
-                      <a:r>
-                        <a:rPr lang="ko-KR" altLang="en-US" sz="1400" dirty="0">
-                          <a:latin typeface="-윤고딕310" panose="02030504000101010101" pitchFamily="18" charset="-127"/>
-                          <a:ea typeface="-윤고딕310" panose="02030504000101010101" pitchFamily="18" charset="-127"/>
-                        </a:rPr>
-                        <a:t>읽어와서 생성하는 부분은 완료되었다</a:t>
-                      </a:r>
-                      <a:r>
-                        <a:rPr lang="en-US" altLang="ko-KR" sz="1400" dirty="0">
-                          <a:latin typeface="-윤고딕310" panose="02030504000101010101" pitchFamily="18" charset="-127"/>
-                          <a:ea typeface="-윤고딕310" panose="02030504000101010101" pitchFamily="18" charset="-127"/>
-                        </a:rPr>
-                        <a:t>. </a:t>
-                      </a:r>
-                      <a:r>
-                        <a:rPr lang="ko-KR" altLang="en-US" sz="1400" dirty="0">
-                          <a:latin typeface="-윤고딕310" panose="02030504000101010101" pitchFamily="18" charset="-127"/>
-                          <a:ea typeface="-윤고딕310" panose="02030504000101010101" pitchFamily="18" charset="-127"/>
-                        </a:rPr>
-                        <a:t>그러나 아직 모든 스테이지가 완성되지는 않았다</a:t>
-                      </a:r>
-                      <a:r>
-                        <a:rPr lang="en-US" altLang="ko-KR" sz="1400" dirty="0">
-                          <a:latin typeface="-윤고딕310" panose="02030504000101010101" pitchFamily="18" charset="-127"/>
-                          <a:ea typeface="-윤고딕310" panose="02030504000101010101" pitchFamily="18" charset="-127"/>
-                        </a:rPr>
-                        <a:t>.</a:t>
-                      </a:r>
-                      <a:endParaRPr lang="ko-KR" altLang="en-US" sz="1400" dirty="0">
-                        <a:latin typeface="-윤고딕310" panose="02030504000101010101" pitchFamily="18" charset="-127"/>
-                        <a:ea typeface="-윤고딕310" panose="02030504000101010101" pitchFamily="18" charset="-127"/>
-                      </a:endParaRPr>
+                        <a:t>스테이지 배치 작업</a:t>
+                      </a:r>
                     </a:p>
                   </a:txBody>
                   <a:tcPr/>
@@ -11524,7 +11974,108 @@
                   </a:ext>
                 </a:extLst>
               </a:tr>
-              <a:tr h="562353">
+              <a:tr h="240011">
+                <a:tc vMerge="1">
+                  <a:txBody>
+                    <a:bodyPr/>
+                    <a:lstStyle/>
+                    <a:p>
+                      <a:pPr latinLnBrk="1"/>
+                      <a:endParaRPr lang="ko-KR" altLang="en-US"/>
+                    </a:p>
+                  </a:txBody>
+                  <a:tcPr/>
+                </a:tc>
+                <a:tc vMerge="1">
+                  <a:txBody>
+                    <a:bodyPr/>
+                    <a:lstStyle/>
+                    <a:p>
+                      <a:pPr latinLnBrk="1"/>
+                      <a:endParaRPr lang="ko-KR" altLang="en-US"/>
+                    </a:p>
+                  </a:txBody>
+                  <a:tcPr/>
+                </a:tc>
+                <a:tc rowSpan="2">
+                  <a:txBody>
+                    <a:bodyPr/>
+                    <a:lstStyle/>
+                    <a:p>
+                      <a:pPr marL="0" marR="0" lvl="0" indent="0" algn="l" defTabSz="914400" rtl="0" eaLnBrk="1" fontAlgn="auto" latinLnBrk="1" hangingPunct="1">
+                        <a:lnSpc>
+                          <a:spcPct val="100000"/>
+                        </a:lnSpc>
+                        <a:spcBef>
+                          <a:spcPts val="0"/>
+                        </a:spcBef>
+                        <a:spcAft>
+                          <a:spcPts val="0"/>
+                        </a:spcAft>
+                        <a:buClrTx/>
+                        <a:buSzTx/>
+                        <a:buFontTx/>
+                        <a:buNone/>
+                        <a:tabLst/>
+                        <a:defRPr/>
+                      </a:pPr>
+                      <a:r>
+                        <a:rPr lang="ko-KR" altLang="en-US" sz="1200" b="1" dirty="0">
+                          <a:latin typeface="-윤고딕310" panose="02030504000101010101" pitchFamily="18" charset="-127"/>
+                          <a:ea typeface="-윤고딕310" panose="02030504000101010101" pitchFamily="18" charset="-127"/>
+                        </a:rPr>
+                        <a:t>결과</a:t>
+                      </a:r>
+                      <a:r>
+                        <a:rPr lang="en-US" altLang="ko-KR" sz="1200" b="1" dirty="0">
+                          <a:latin typeface="-윤고딕310" panose="02030504000101010101" pitchFamily="18" charset="-127"/>
+                          <a:ea typeface="-윤고딕310" panose="02030504000101010101" pitchFamily="18" charset="-127"/>
+                        </a:rPr>
+                        <a:t>: (40%) </a:t>
+                      </a:r>
+                      <a:r>
+                        <a:rPr lang="ko-KR" altLang="en-US" sz="1200" b="1" dirty="0">
+                          <a:latin typeface="-윤고딕310" panose="02030504000101010101" pitchFamily="18" charset="-127"/>
+                          <a:ea typeface="-윤고딕310" panose="02030504000101010101" pitchFamily="18" charset="-127"/>
+                        </a:rPr>
+                        <a:t>맵 생성하는 부분은 완료</a:t>
+                      </a:r>
+                      <a:r>
+                        <a:rPr lang="en-US" altLang="ko-KR" sz="1200" b="1" dirty="0">
+                          <a:latin typeface="-윤고딕310" panose="02030504000101010101" pitchFamily="18" charset="-127"/>
+                          <a:ea typeface="-윤고딕310" panose="02030504000101010101" pitchFamily="18" charset="-127"/>
+                        </a:rPr>
+                        <a:t>. </a:t>
+                      </a:r>
+                      <a:r>
+                        <a:rPr lang="ko-KR" altLang="en-US" sz="1200" b="1" dirty="0">
+                          <a:latin typeface="-윤고딕310" panose="02030504000101010101" pitchFamily="18" charset="-127"/>
+                          <a:ea typeface="-윤고딕310" panose="02030504000101010101" pitchFamily="18" charset="-127"/>
+                        </a:rPr>
+                        <a:t>그러나 아직 모든 스테이지가 완성되지 않았다</a:t>
+                      </a:r>
+                      <a:r>
+                        <a:rPr lang="en-US" altLang="ko-KR" sz="1200" b="1" dirty="0">
+                          <a:latin typeface="-윤고딕310" panose="02030504000101010101" pitchFamily="18" charset="-127"/>
+                          <a:ea typeface="-윤고딕310" panose="02030504000101010101" pitchFamily="18" charset="-127"/>
+                        </a:rPr>
+                        <a:t>.</a:t>
+                      </a:r>
+                      <a:endParaRPr lang="ko-KR" altLang="en-US" sz="1200" b="1" dirty="0">
+                        <a:latin typeface="-윤고딕310" panose="02030504000101010101" pitchFamily="18" charset="-127"/>
+                        <a:ea typeface="-윤고딕310" panose="02030504000101010101" pitchFamily="18" charset="-127"/>
+                      </a:endParaRPr>
+                    </a:p>
+                  </a:txBody>
+                  <a:tcPr/>
+                </a:tc>
+                <a:extLst>
+                  <a:ext uri="{0D108BD9-81ED-4DB2-BD59-A6C34878D82A}">
+                    <a16:rowId xmlns:a16="http://schemas.microsoft.com/office/drawing/2014/main" val="2866813252"/>
+                  </a:ext>
+                </a:extLst>
+              </a:tr>
+              <a:tr h="456021">
                 <a:tc>
                   <a:txBody>
                     <a:bodyPr/>
@@ -11532,14 +12083,14 @@
                     <a:p>
                       <a:pPr algn="ctr" latinLnBrk="1"/>
                       <a:r>
-                        <a:rPr lang="en-US" altLang="ko-KR" sz="1600" dirty="0">
+                        <a:rPr lang="en-US" altLang="ko-KR" sz="1200" dirty="0">
                           <a:latin typeface="-윤고딕320" panose="02030504000101010101" pitchFamily="18" charset="-127"/>
                           <a:ea typeface="-윤고딕320" panose="02030504000101010101" pitchFamily="18" charset="-127"/>
                         </a:rPr>
                         <a:t>6</a:t>
                       </a:r>
                       <a:r>
-                        <a:rPr lang="ko-KR" altLang="en-US" sz="1600" dirty="0">
+                        <a:rPr lang="ko-KR" altLang="en-US" sz="1200" dirty="0">
                           <a:latin typeface="-윤고딕320" panose="02030504000101010101" pitchFamily="18" charset="-127"/>
                           <a:ea typeface="-윤고딕320" panose="02030504000101010101" pitchFamily="18" charset="-127"/>
                         </a:rPr>
@@ -11584,7 +12135,7 @@
                   </a:ext>
                 </a:extLst>
               </a:tr>
-              <a:tr h="562353">
+              <a:tr h="470893">
                 <a:tc>
                   <a:txBody>
                     <a:bodyPr/>
@@ -11592,14 +12143,14 @@
                     <a:p>
                       <a:pPr algn="ctr" latinLnBrk="1"/>
                       <a:r>
-                        <a:rPr lang="en-US" altLang="ko-KR" sz="1600" dirty="0">
+                        <a:rPr lang="en-US" altLang="ko-KR" sz="1200" dirty="0">
                           <a:latin typeface="-윤고딕320" panose="02030504000101010101" pitchFamily="18" charset="-127"/>
                           <a:ea typeface="-윤고딕320" panose="02030504000101010101" pitchFamily="18" charset="-127"/>
                         </a:rPr>
                         <a:t>7</a:t>
                       </a:r>
                       <a:r>
-                        <a:rPr lang="ko-KR" altLang="en-US" sz="1600" dirty="0">
+                        <a:rPr lang="ko-KR" altLang="en-US" sz="1200" dirty="0">
                           <a:latin typeface="-윤고딕320" panose="02030504000101010101" pitchFamily="18" charset="-127"/>
                           <a:ea typeface="-윤고딕320" panose="02030504000101010101" pitchFamily="18" charset="-127"/>
                         </a:rPr>
@@ -11609,7 +12160,7 @@
                   </a:txBody>
                   <a:tcPr anchor="ctr">
                     <a:solidFill>
-                      <a:srgbClr val="EDEAF0"/>
+                      <a:srgbClr val="D8D3E0"/>
                     </a:solidFill>
                   </a:tcPr>
                 </a:tc>
@@ -11620,13 +12171,13 @@
                     <a:p>
                       <a:pPr algn="ctr" latinLnBrk="1"/>
                       <a:r>
-                        <a:rPr lang="ko-KR" altLang="en-US" sz="1400" dirty="0">
+                        <a:rPr lang="ko-KR" altLang="en-US" sz="1100" dirty="0">
                           <a:latin typeface="-윤고딕310" panose="02030504000101010101" pitchFamily="18" charset="-127"/>
                           <a:ea typeface="-윤고딕310" panose="02030504000101010101" pitchFamily="18" charset="-127"/>
                         </a:rPr>
                         <a:t>인터페이스</a:t>
                       </a:r>
-                      <a:endParaRPr lang="en-US" altLang="ko-KR" sz="1400" dirty="0">
+                      <a:endParaRPr lang="en-US" altLang="ko-KR" sz="1100" dirty="0">
                         <a:latin typeface="-윤고딕310" panose="02030504000101010101" pitchFamily="18" charset="-127"/>
                         <a:ea typeface="-윤고딕310" panose="02030504000101010101" pitchFamily="18" charset="-127"/>
                       </a:endParaRPr>
@@ -11645,89 +12196,100 @@
                     <a:p>
                       <a:pPr latinLnBrk="1"/>
                       <a:r>
-                        <a:rPr lang="en-US" altLang="ko-KR" sz="1400" dirty="0">
+                        <a:rPr lang="ko-KR" altLang="en-US" sz="1200" dirty="0">
                           <a:latin typeface="-윤고딕310" panose="02030504000101010101" pitchFamily="18" charset="-127"/>
                           <a:ea typeface="-윤고딕310" panose="02030504000101010101" pitchFamily="18" charset="-127"/>
                         </a:rPr>
-                        <a:t>(20%) </a:t>
-                      </a:r>
-                      <a:r>
-                        <a:rPr lang="ko-KR" altLang="en-US" sz="1400" dirty="0">
+                        <a:t>계획</a:t>
+                      </a:r>
+                      <a:r>
+                        <a:rPr lang="en-US" altLang="ko-KR" sz="1200" dirty="0">
                           <a:latin typeface="-윤고딕310" panose="02030504000101010101" pitchFamily="18" charset="-127"/>
                           <a:ea typeface="-윤고딕310" panose="02030504000101010101" pitchFamily="18" charset="-127"/>
                         </a:rPr>
-                        <a:t>시작 로고와 메인 메뉴는 완료되었다</a:t>
-                      </a:r>
-                      <a:r>
-                        <a:rPr lang="en-US" altLang="ko-KR" sz="1400" dirty="0">
+                        <a:t>: </a:t>
+                      </a:r>
+                      <a:r>
+                        <a:rPr lang="ko-KR" altLang="en-US" sz="1200" dirty="0">
                           <a:latin typeface="-윤고딕310" panose="02030504000101010101" pitchFamily="18" charset="-127"/>
                           <a:ea typeface="-윤고딕310" panose="02030504000101010101" pitchFamily="18" charset="-127"/>
                         </a:rPr>
-                        <a:t>.</a:t>
-                      </a:r>
-                      <a:br>
-                        <a:rPr lang="en-US" altLang="ko-KR" sz="1400" dirty="0">
+                        <a:t>시작 로고</a:t>
+                      </a:r>
+                      <a:r>
+                        <a:rPr lang="en-US" altLang="ko-KR" sz="1200" dirty="0">
                           <a:latin typeface="-윤고딕310" panose="02030504000101010101" pitchFamily="18" charset="-127"/>
                           <a:ea typeface="-윤고딕310" panose="02030504000101010101" pitchFamily="18" charset="-127"/>
                         </a:rPr>
-                      </a:br>
-                      <a:r>
-                        <a:rPr lang="en-US" altLang="ko-KR" sz="1400" dirty="0">
+                        <a:t>, </a:t>
+                      </a:r>
+                      <a:r>
+                        <a:rPr lang="ko-KR" altLang="en-US" sz="1200" dirty="0">
                           <a:latin typeface="-윤고딕310" panose="02030504000101010101" pitchFamily="18" charset="-127"/>
                           <a:ea typeface="-윤고딕310" panose="02030504000101010101" pitchFamily="18" charset="-127"/>
                         </a:rPr>
-                        <a:t>   + </a:t>
-                      </a:r>
-                      <a:r>
-                        <a:rPr lang="ko-KR" altLang="en-US" sz="1400" dirty="0">
+                        <a:t>메인 메뉴</a:t>
+                      </a:r>
+                      <a:r>
+                        <a:rPr lang="en-US" altLang="ko-KR" sz="1200" dirty="0">
                           <a:latin typeface="-윤고딕310" panose="02030504000101010101" pitchFamily="18" charset="-127"/>
                           <a:ea typeface="-윤고딕310" panose="02030504000101010101" pitchFamily="18" charset="-127"/>
                         </a:rPr>
-                        <a:t>메시지 창</a:t>
-                      </a:r>
-                      <a:r>
-                        <a:rPr lang="en-US" altLang="ko-KR" sz="1400" dirty="0">
+                        <a:t>, </a:t>
+                      </a:r>
+                      <a:r>
+                        <a:rPr lang="ko-KR" altLang="en-US" sz="1200" dirty="0">
                           <a:latin typeface="-윤고딕310" panose="02030504000101010101" pitchFamily="18" charset="-127"/>
                           <a:ea typeface="-윤고딕310" panose="02030504000101010101" pitchFamily="18" charset="-127"/>
                         </a:rPr>
-                        <a:t>, </a:t>
-                      </a:r>
-                      <a:r>
-                        <a:rPr lang="ko-KR" altLang="en-US" sz="1400" dirty="0">
+                        <a:t>메시지 창</a:t>
+                      </a:r>
+                      <a:r>
+                        <a:rPr lang="en-US" altLang="ko-KR" sz="1200" dirty="0">
                           <a:latin typeface="-윤고딕310" panose="02030504000101010101" pitchFamily="18" charset="-127"/>
                           <a:ea typeface="-윤고딕310" panose="02030504000101010101" pitchFamily="18" charset="-127"/>
                         </a:rPr>
-                        <a:t>일시 정지 메뉴</a:t>
-                      </a:r>
-                      <a:r>
-                        <a:rPr lang="en-US" altLang="ko-KR" sz="1400" dirty="0">
+                        <a:t>, </a:t>
+                      </a:r>
+                      <a:r>
+                        <a:rPr lang="ko-KR" altLang="en-US" sz="1200" dirty="0">
                           <a:latin typeface="-윤고딕310" panose="02030504000101010101" pitchFamily="18" charset="-127"/>
                           <a:ea typeface="-윤고딕310" panose="02030504000101010101" pitchFamily="18" charset="-127"/>
                         </a:rPr>
-                        <a:t>, </a:t>
-                      </a:r>
-                      <a:r>
-                        <a:rPr lang="ko-KR" altLang="en-US" sz="1400" dirty="0">
+                        <a:t>일시 정지 메뉴</a:t>
+                      </a:r>
+                      <a:r>
+                        <a:rPr lang="en-US" altLang="ko-KR" sz="1200" dirty="0">
                           <a:latin typeface="-윤고딕310" panose="02030504000101010101" pitchFamily="18" charset="-127"/>
                           <a:ea typeface="-윤고딕310" panose="02030504000101010101" pitchFamily="18" charset="-127"/>
                         </a:rPr>
-                        <a:t>게임 오버 </a:t>
-                      </a:r>
-                      <a:r>
-                        <a:rPr lang="en-US" altLang="ko-KR" sz="1400" dirty="0">
+                        <a:t>,</a:t>
+                      </a:r>
+                    </a:p>
+                    <a:p>
+                      <a:pPr latinLnBrk="1"/>
+                      <a:r>
+                        <a:rPr lang="ko-KR" altLang="en-US" sz="1200" dirty="0">
                           <a:latin typeface="-윤고딕310" panose="02030504000101010101" pitchFamily="18" charset="-127"/>
                           <a:ea typeface="-윤고딕310" panose="02030504000101010101" pitchFamily="18" charset="-127"/>
                         </a:rPr>
-                        <a:t>/ </a:t>
-                      </a:r>
-                      <a:r>
-                        <a:rPr lang="ko-KR" altLang="en-US" sz="1400" dirty="0">
+                        <a:t>게임 오버 </a:t>
+                      </a:r>
+                      <a:r>
+                        <a:rPr lang="en-US" altLang="ko-KR" sz="1200" dirty="0">
                           <a:latin typeface="-윤고딕310" panose="02030504000101010101" pitchFamily="18" charset="-127"/>
                           <a:ea typeface="-윤고딕310" panose="02030504000101010101" pitchFamily="18" charset="-127"/>
                         </a:rPr>
+                        <a:t>/ </a:t>
+                      </a:r>
+                      <a:r>
+                        <a:rPr lang="ko-KR" altLang="en-US" sz="1200" dirty="0">
+                          <a:latin typeface="-윤고딕310" panose="02030504000101010101" pitchFamily="18" charset="-127"/>
+                          <a:ea typeface="-윤고딕310" panose="02030504000101010101" pitchFamily="18" charset="-127"/>
+                        </a:rPr>
                         <a:t>스테이지 완료 메뉴</a:t>
                       </a:r>
-                      <a:endParaRPr lang="en-US" altLang="ko-KR" sz="1400" dirty="0">
+                      <a:endParaRPr lang="en-US" altLang="ko-KR" sz="1200" dirty="0">
                         <a:latin typeface="-윤고딕310" panose="02030504000101010101" pitchFamily="18" charset="-127"/>
                         <a:ea typeface="-윤고딕310" panose="02030504000101010101" pitchFamily="18" charset="-127"/>
                       </a:endParaRPr>
@@ -11745,7 +12307,7 @@
                   </a:ext>
                 </a:extLst>
               </a:tr>
-              <a:tr h="562353">
+              <a:tr h="470893">
                 <a:tc>
                   <a:txBody>
                     <a:bodyPr/>
@@ -11753,14 +12315,14 @@
                     <a:p>
                       <a:pPr algn="ctr" latinLnBrk="1"/>
                       <a:r>
-                        <a:rPr lang="en-US" altLang="ko-KR" sz="1600" dirty="0">
+                        <a:rPr lang="en-US" altLang="ko-KR" sz="1200" dirty="0">
                           <a:latin typeface="-윤고딕320" panose="02030504000101010101" pitchFamily="18" charset="-127"/>
                           <a:ea typeface="-윤고딕320" panose="02030504000101010101" pitchFamily="18" charset="-127"/>
                         </a:rPr>
                         <a:t>8</a:t>
                       </a:r>
                       <a:r>
-                        <a:rPr lang="ko-KR" altLang="en-US" sz="1600" dirty="0">
+                        <a:rPr lang="ko-KR" altLang="en-US" sz="1200" dirty="0">
                           <a:latin typeface="-윤고딕320" panose="02030504000101010101" pitchFamily="18" charset="-127"/>
                           <a:ea typeface="-윤고딕320" panose="02030504000101010101" pitchFamily="18" charset="-127"/>
                         </a:rPr>
@@ -11781,13 +12343,13 @@
                     <a:p>
                       <a:pPr algn="ctr" latinLnBrk="1"/>
                       <a:r>
-                        <a:rPr lang="ko-KR" altLang="en-US" sz="1400" dirty="0">
+                        <a:rPr lang="ko-KR" altLang="en-US" sz="1300" dirty="0">
                           <a:latin typeface="-윤고딕310" panose="02030504000101010101" pitchFamily="18" charset="-127"/>
                           <a:ea typeface="-윤고딕310" panose="02030504000101010101" pitchFamily="18" charset="-127"/>
                         </a:rPr>
                         <a:t>점검 및</a:t>
                       </a:r>
-                      <a:endParaRPr lang="en-US" altLang="ko-KR" sz="1400" dirty="0">
+                      <a:endParaRPr lang="en-US" altLang="ko-KR" sz="1300" dirty="0">
                         <a:latin typeface="-윤고딕310" panose="02030504000101010101" pitchFamily="18" charset="-127"/>
                         <a:ea typeface="-윤고딕310" panose="02030504000101010101" pitchFamily="18" charset="-127"/>
                       </a:endParaRPr>
@@ -11795,7 +12357,7 @@
                     <a:p>
                       <a:pPr algn="ctr" latinLnBrk="1"/>
                       <a:r>
-                        <a:rPr lang="ko-KR" altLang="en-US" sz="1400" dirty="0">
+                        <a:rPr lang="ko-KR" altLang="en-US" sz="1300" dirty="0">
                           <a:latin typeface="-윤고딕310" panose="02030504000101010101" pitchFamily="18" charset="-127"/>
                           <a:ea typeface="-윤고딕310" panose="02030504000101010101" pitchFamily="18" charset="-127"/>
                         </a:rPr>
@@ -11805,7 +12367,7 @@
                   </a:txBody>
                   <a:tcPr anchor="ctr">
                     <a:solidFill>
-                      <a:srgbClr val="D8D3E0"/>
+                      <a:srgbClr val="EDEAF0"/>
                     </a:solidFill>
                   </a:tcPr>
                 </a:tc>
@@ -11816,7 +12378,21 @@
                     <a:p>
                       <a:pPr latinLnBrk="1"/>
                       <a:r>
-                        <a:rPr lang="ko-KR" altLang="en-US" sz="1400" dirty="0">
+                        <a:rPr lang="ko-KR" altLang="en-US" sz="1200" dirty="0">
+                          <a:latin typeface="-윤고딕310" panose="02030504000101010101" pitchFamily="18" charset="-127"/>
+                          <a:ea typeface="-윤고딕310" panose="02030504000101010101" pitchFamily="18" charset="-127"/>
+                        </a:rPr>
+                        <a:t>계획</a:t>
+                      </a:r>
+                      <a:r>
+                        <a:rPr lang="en-US" altLang="ko-KR" sz="1200" dirty="0">
+                          <a:latin typeface="-윤고딕310" panose="02030504000101010101" pitchFamily="18" charset="-127"/>
+                          <a:ea typeface="-윤고딕310" panose="02030504000101010101" pitchFamily="18" charset="-127"/>
+                        </a:rPr>
+                        <a:t>: </a:t>
+                      </a:r>
+                      <a:r>
+                        <a:rPr lang="ko-KR" altLang="en-US" sz="1200" dirty="0">
                           <a:latin typeface="-윤고딕310" panose="02030504000101010101" pitchFamily="18" charset="-127"/>
                           <a:ea typeface="-윤고딕310" panose="02030504000101010101" pitchFamily="18" charset="-127"/>
                         </a:rPr>
@@ -12245,6 +12821,127 @@
     <p:extLst>
       <p:ext uri="{BB962C8B-B14F-4D97-AF65-F5344CB8AC3E}">
         <p14:creationId xmlns:p14="http://schemas.microsoft.com/office/powerpoint/2010/main" val="2013352221"/>
+      </p:ext>
+    </p:extLst>
+  </p:cSld>
+  <p:clrMapOvr>
+    <a:masterClrMapping/>
+  </p:clrMapOvr>
+</p:sld>
+</file>
+
+<file path=ppt/slides/slide7.xml><?xml version="1.0" encoding="utf-8"?>
+<p:sld xmlns:a="http://schemas.openxmlformats.org/drawingml/2006/main" xmlns:r="http://schemas.openxmlformats.org/officeDocument/2006/relationships" xmlns:p="http://schemas.openxmlformats.org/presentationml/2006/main">
+  <p:cSld>
+    <p:spTree>
+      <p:nvGrpSpPr>
+        <p:cNvPr id="1" name=""/>
+        <p:cNvGrpSpPr/>
+        <p:nvPr/>
+      </p:nvGrpSpPr>
+      <p:grpSpPr>
+        <a:xfrm>
+          <a:off x="0" y="0"/>
+          <a:ext cx="0" cy="0"/>
+          <a:chOff x="0" y="0"/>
+          <a:chExt cx="0" cy="0"/>
+        </a:xfrm>
+      </p:grpSpPr>
+      <p:sp>
+        <p:nvSpPr>
+          <p:cNvPr id="2" name="슬라이드 번호 개체 틀 1">
+            <a:extLst>
+              <a:ext uri="{FF2B5EF4-FFF2-40B4-BE49-F238E27FC236}">
+                <a16:creationId xmlns:a16="http://schemas.microsoft.com/office/drawing/2014/main" id="{21C2750A-C697-4C85-952B-446740EB7394}"/>
+              </a:ext>
+            </a:extLst>
+          </p:cNvPr>
+          <p:cNvSpPr>
+            <a:spLocks noGrp="1"/>
+          </p:cNvSpPr>
+          <p:nvPr>
+            <p:ph type="sldNum" sz="quarter" idx="12"/>
+          </p:nvPr>
+        </p:nvSpPr>
+        <p:spPr/>
+        <p:txBody>
+          <a:bodyPr/>
+          <a:lstStyle/>
+          <a:p>
+            <a:fld id="{E7DA41EC-23F5-48AA-BEE5-29F21EDFCFE5}" type="slidenum">
+              <a:rPr lang="ko-KR" altLang="en-US" smtClean="0"/>
+              <a:t>7</a:t>
+            </a:fld>
+            <a:endParaRPr lang="ko-KR" altLang="en-US"/>
+          </a:p>
+        </p:txBody>
+      </p:sp>
+      <p:sp>
+        <p:nvSpPr>
+          <p:cNvPr id="3" name="내용 개체 틀 2">
+            <a:extLst>
+              <a:ext uri="{FF2B5EF4-FFF2-40B4-BE49-F238E27FC236}">
+                <a16:creationId xmlns:a16="http://schemas.microsoft.com/office/drawing/2014/main" id="{2BD0F205-5B57-4522-8507-029256A11B28}"/>
+              </a:ext>
+            </a:extLst>
+          </p:cNvPr>
+          <p:cNvSpPr>
+            <a:spLocks noGrp="1"/>
+          </p:cNvSpPr>
+          <p:nvPr>
+            <p:ph idx="1"/>
+          </p:nvPr>
+        </p:nvSpPr>
+        <p:spPr/>
+        <p:txBody>
+          <a:bodyPr anchor="ctr"/>
+          <a:lstStyle/>
+          <a:p>
+            <a:pPr marL="0" indent="0" algn="ctr">
+              <a:buNone/>
+            </a:pPr>
+            <a:r>
+              <a:rPr lang="ko-KR" altLang="en-US" dirty="0">
+                <a:solidFill>
+                  <a:srgbClr val="336699"/>
+                </a:solidFill>
+                <a:latin typeface="-윤고딕320" panose="02030504000101010101" pitchFamily="18" charset="-127"/>
+                <a:ea typeface="-윤고딕320" panose="02030504000101010101" pitchFamily="18" charset="-127"/>
+              </a:rPr>
+              <a:t>감사합니다</a:t>
+            </a:r>
+          </a:p>
+        </p:txBody>
+      </p:sp>
+      <p:sp>
+        <p:nvSpPr>
+          <p:cNvPr id="4" name="제목 3">
+            <a:extLst>
+              <a:ext uri="{FF2B5EF4-FFF2-40B4-BE49-F238E27FC236}">
+                <a16:creationId xmlns:a16="http://schemas.microsoft.com/office/drawing/2014/main" id="{0BDA486B-B827-49A9-B1F2-2CF5FEB5B316}"/>
+              </a:ext>
+            </a:extLst>
+          </p:cNvPr>
+          <p:cNvSpPr>
+            <a:spLocks noGrp="1"/>
+          </p:cNvSpPr>
+          <p:nvPr>
+            <p:ph type="title"/>
+          </p:nvPr>
+        </p:nvSpPr>
+        <p:spPr/>
+        <p:txBody>
+          <a:bodyPr/>
+          <a:lstStyle/>
+          <a:p>
+            <a:endParaRPr lang="ko-KR" altLang="en-US" dirty="0"/>
+          </a:p>
+        </p:txBody>
+      </p:sp>
+    </p:spTree>
+    <p:extLst>
+      <p:ext uri="{BB962C8B-B14F-4D97-AF65-F5344CB8AC3E}">
+        <p14:creationId xmlns:p14="http://schemas.microsoft.com/office/powerpoint/2010/main" val="803466032"/>
       </p:ext>
     </p:extLst>
   </p:cSld>
